--- a/Translating/附录B.pptx
+++ b/Translating/附录B.pptx
@@ -122,6 +122,11 @@
       </a:defRPr>
     </a:lvl9pPr>
   </p:defaultTextStyle>
+  <p:extLst>
+    <p:ext uri="{EFAFB233-063F-42B5-8137-9DF3F51BA10A}">
+      <p15:sldGuideLst xmlns:p15="http://schemas.microsoft.com/office/powerpoint/2012/main"/>
+    </p:ext>
+  </p:extLst>
 </p:presentation>
 </file>
 
@@ -503,8 +508,8 @@
         </p:nvSpPr>
         <p:spPr>
           <a:xfrm>
-            <a:off x="1143000" y="685800"/>
-            <a:ext cx="4572000" cy="3429000"/>
+            <a:off x="381000" y="685800"/>
+            <a:ext cx="6096000" cy="3429000"/>
           </a:xfrm>
           <a:prstGeom prst="rect">
             <a:avLst/>
@@ -4155,7 +4160,29 @@
               </a:lnSpc>
             </a:pPr>
             <a:r>
-              <a:rPr lang="en-US" sz="3600" spc="-1">
+              <a:rPr lang="zh-CN" altLang="en-US" sz="3600" spc="-1" dirty="0">
+                <a:solidFill>
+                  <a:srgbClr val="000000"/>
+                </a:solidFill>
+                <a:latin typeface="Trebuchet MS"/>
+              </a:rPr>
+              <a:t>命令生成事件影响宿主代码执行</a:t>
+            </a:r>
+            <a:endParaRPr lang="en-US" altLang="zh-CN" sz="3600" spc="-1" dirty="0">
+              <a:solidFill>
+                <a:srgbClr val="000000"/>
+              </a:solidFill>
+              <a:latin typeface="Trebuchet MS"/>
+            </a:endParaRPr>
+          </a:p>
+          <a:p>
+            <a:pPr algn="ctr">
+              <a:lnSpc>
+                <a:spcPct val="100000"/>
+              </a:lnSpc>
+            </a:pPr>
+            <a:r>
+              <a:rPr lang="en-US" sz="2000" spc="-1" dirty="0">
                 <a:solidFill>
                   <a:srgbClr val="000000"/>
                 </a:solidFill>
@@ -4163,7 +4190,7 @@
               </a:rPr>
               <a:t>Command generated events influencing execution of host code</a:t>
             </a:r>
-            <a:endParaRPr lang="en-US" sz="3600" spc="-1">
+            <a:endParaRPr lang="en-US" sz="2000" spc="-1" dirty="0">
               <a:latin typeface="Arial"/>
             </a:endParaRPr>
           </a:p>
@@ -8880,15 +8907,24 @@
               </a:lnSpc>
             </a:pPr>
             <a:r>
-              <a:rPr lang="en-US" sz="4400" spc="-1">
-                <a:solidFill>
-                  <a:srgbClr val="000000"/>
-                </a:solidFill>
-                <a:latin typeface="Trebuchet MS"/>
-              </a:rPr>
-              <a:t>OpenCL Events</a:t>
-            </a:r>
-            <a:endParaRPr lang="en-US" sz="4400" spc="-1">
+              <a:rPr lang="en-US" sz="4400" spc="-1" dirty="0">
+                <a:solidFill>
+                  <a:srgbClr val="000000"/>
+                </a:solidFill>
+                <a:latin typeface="Trebuchet MS"/>
+              </a:rPr>
+              <a:t>OpenCL </a:t>
+            </a:r>
+            <a:r>
+              <a:rPr lang="zh-CN" altLang="en-US" sz="4400" spc="-1">
+                <a:solidFill>
+                  <a:srgbClr val="000000"/>
+                </a:solidFill>
+                <a:latin typeface="Trebuchet MS"/>
+              </a:rPr>
+              <a:t>事件</a:t>
+            </a:r>
+            <a:endParaRPr lang="en-US" sz="4400" spc="-1" dirty="0">
               <a:latin typeface="Arial"/>
             </a:endParaRPr>
           </a:p>
@@ -8927,7 +8963,7 @@
         </p:style>
         <p:txBody>
           <a:bodyPr lIns="90000" tIns="45000" rIns="90000" bIns="45000">
-            <a:normAutofit fontScale="77500" lnSpcReduction="20000"/>
+            <a:normAutofit fontScale="85000" lnSpcReduction="20000"/>
           </a:bodyPr>
           <a:lstStyle/>
           <a:p>
@@ -8945,15 +8981,114 @@
               <a:buChar char="•"/>
             </a:pPr>
             <a:r>
-              <a:rPr lang="en-US" sz="3200" spc="-1">
-                <a:solidFill>
-                  <a:srgbClr val="000000"/>
-                </a:solidFill>
-                <a:latin typeface="Trebuchet MS"/>
-              </a:rPr>
-              <a:t>An event is an object that communicates the status of commands in OpenCL … legal values for an event:</a:t>
-            </a:r>
-            <a:endParaRPr lang="en-US" sz="3200" spc="-1">
+              <a:rPr lang="zh-CN" altLang="en-US" sz="3200" spc="-1" dirty="0">
+                <a:solidFill>
+                  <a:srgbClr val="000000"/>
+                </a:solidFill>
+                <a:latin typeface="Trebuchet MS"/>
+              </a:rPr>
+              <a:t>事件（</a:t>
+            </a:r>
+            <a:r>
+              <a:rPr lang="en-US" altLang="zh-CN" sz="3200" spc="-1" dirty="0">
+                <a:solidFill>
+                  <a:srgbClr val="000000"/>
+                </a:solidFill>
+                <a:latin typeface="Trebuchet MS"/>
+              </a:rPr>
+              <a:t>event</a:t>
+            </a:r>
+            <a:r>
+              <a:rPr lang="zh-CN" altLang="en-US" sz="3200" spc="-1" dirty="0">
+                <a:solidFill>
+                  <a:srgbClr val="000000"/>
+                </a:solidFill>
+                <a:latin typeface="Trebuchet MS"/>
+              </a:rPr>
+              <a:t>）是一个对象（</a:t>
+            </a:r>
+            <a:r>
+              <a:rPr lang="en-US" altLang="zh-CN" sz="3200" spc="-1" dirty="0">
+                <a:solidFill>
+                  <a:srgbClr val="000000"/>
+                </a:solidFill>
+                <a:latin typeface="Trebuchet MS"/>
+              </a:rPr>
+              <a:t>object</a:t>
+            </a:r>
+            <a:r>
+              <a:rPr lang="zh-CN" altLang="en-US" sz="3200" spc="-1" dirty="0">
+                <a:solidFill>
+                  <a:srgbClr val="000000"/>
+                </a:solidFill>
+                <a:latin typeface="Trebuchet MS"/>
+              </a:rPr>
+              <a:t>），这个对象在 </a:t>
+            </a:r>
+            <a:r>
+              <a:rPr lang="en-US" altLang="zh-CN" sz="3200" spc="-1" dirty="0">
+                <a:solidFill>
+                  <a:srgbClr val="000000"/>
+                </a:solidFill>
+                <a:latin typeface="Trebuchet MS"/>
+              </a:rPr>
+              <a:t>OpenCL </a:t>
+            </a:r>
+            <a:r>
+              <a:rPr lang="zh-CN" altLang="en-US" sz="3200" spc="-1" dirty="0">
+                <a:solidFill>
+                  <a:srgbClr val="000000"/>
+                </a:solidFill>
+                <a:latin typeface="Trebuchet MS"/>
+              </a:rPr>
+              <a:t>中和命令状态（</a:t>
+            </a:r>
+            <a:r>
+              <a:rPr lang="en-US" altLang="zh-CN" sz="3200" spc="-1" dirty="0">
+                <a:solidFill>
+                  <a:srgbClr val="000000"/>
+                </a:solidFill>
+                <a:latin typeface="Trebuchet MS"/>
+              </a:rPr>
+              <a:t> status of commands </a:t>
+            </a:r>
+            <a:r>
+              <a:rPr lang="zh-CN" altLang="en-US" sz="3200" spc="-1" dirty="0">
+                <a:solidFill>
+                  <a:srgbClr val="000000"/>
+                </a:solidFill>
+                <a:latin typeface="Trebuchet MS"/>
+              </a:rPr>
+              <a:t>）</a:t>
+            </a:r>
+            <a:r>
+              <a:rPr lang="en-US" sz="3200" spc="-1" dirty="0">
+                <a:solidFill>
+                  <a:srgbClr val="000000"/>
+                </a:solidFill>
+                <a:latin typeface="Trebuchet MS"/>
+              </a:rPr>
+              <a:t>… </a:t>
+            </a:r>
+            <a:r>
+              <a:rPr lang="zh-CN" altLang="en-US" sz="3200" spc="-1" dirty="0">
+                <a:solidFill>
+                  <a:srgbClr val="000000"/>
+                </a:solidFill>
+                <a:latin typeface="Trebuchet MS"/>
+              </a:rPr>
+              <a:t>一个事件的取值可以是</a:t>
+            </a:r>
+            <a:r>
+              <a:rPr lang="en-US" sz="3200" spc="-1" dirty="0">
+                <a:solidFill>
+                  <a:srgbClr val="000000"/>
+                </a:solidFill>
+                <a:latin typeface="Trebuchet MS"/>
+              </a:rPr>
+              <a:t>:</a:t>
+            </a:r>
+            <a:endParaRPr lang="en-US" sz="3200" spc="-1" dirty="0">
               <a:latin typeface="Arial"/>
             </a:endParaRPr>
           </a:p>
@@ -8972,7 +9107,7 @@
               <a:buChar char="–"/>
             </a:pPr>
             <a:r>
-              <a:rPr lang="en-US" sz="2800" spc="-1">
+              <a:rPr lang="en-US" sz="2800" spc="-1" dirty="0">
                 <a:solidFill>
                   <a:srgbClr val="9BBB59"/>
                 </a:solidFill>
@@ -8981,15 +9116,33 @@
               <a:t>CL_QUEUED</a:t>
             </a:r>
             <a:r>
-              <a:rPr lang="en-US" sz="2800" spc="-1">
-                <a:solidFill>
-                  <a:srgbClr val="000000"/>
-                </a:solidFill>
-                <a:latin typeface="Trebuchet MS"/>
-              </a:rPr>
-              <a:t>:      command has been enqueued. </a:t>
-            </a:r>
-            <a:endParaRPr lang="en-US" sz="2800" spc="-1">
+              <a:rPr lang="en-US" sz="2800" spc="-1" dirty="0">
+                <a:solidFill>
+                  <a:srgbClr val="000000"/>
+                </a:solidFill>
+                <a:latin typeface="Trebuchet MS"/>
+              </a:rPr>
+              <a:t>:      </a:t>
+            </a:r>
+            <a:r>
+              <a:rPr lang="zh-CN" altLang="en-US" sz="2800" spc="-1" dirty="0">
+                <a:solidFill>
+                  <a:srgbClr val="000000"/>
+                </a:solidFill>
+                <a:latin typeface="Trebuchet MS"/>
+              </a:rPr>
+              <a:t>命令已经提交队列</a:t>
+            </a:r>
+            <a:r>
+              <a:rPr lang="en-US" sz="2800" spc="-1" dirty="0">
+                <a:solidFill>
+                  <a:srgbClr val="000000"/>
+                </a:solidFill>
+                <a:latin typeface="Trebuchet MS"/>
+              </a:rPr>
+              <a:t>.</a:t>
+            </a:r>
+            <a:endParaRPr lang="en-US" sz="2800" spc="-1" dirty="0">
               <a:latin typeface="Arial"/>
             </a:endParaRPr>
           </a:p>
@@ -9008,7 +9161,7 @@
               <a:buChar char="–"/>
             </a:pPr>
             <a:r>
-              <a:rPr lang="en-US" sz="2800" spc="-1">
+              <a:rPr lang="en-US" sz="2800" spc="-1" dirty="0">
                 <a:solidFill>
                   <a:srgbClr val="9BBB59"/>
                 </a:solidFill>
@@ -9017,25 +9170,24 @@
               <a:t>CL_SUBMITTED</a:t>
             </a:r>
             <a:r>
-              <a:rPr lang="en-US" sz="2800" spc="-1">
-                <a:solidFill>
-                  <a:srgbClr val="000000"/>
-                </a:solidFill>
-                <a:latin typeface="Trebuchet MS"/>
-              </a:rPr>
-              <a:t>:  command has been submitted to the </a:t>
-            </a:r>
-            <a:br/>
-            <a:r>
-              <a:rPr lang="en-US" sz="2800" spc="-1">
-                <a:solidFill>
-                  <a:srgbClr val="000000"/>
-                </a:solidFill>
-                <a:latin typeface="Trebuchet MS"/>
-              </a:rPr>
-              <a:t>                         compute device</a:t>
-            </a:r>
-            <a:endParaRPr lang="en-US" sz="2800" spc="-1">
+              <a:rPr lang="en-US" sz="2800" spc="-1" dirty="0">
+                <a:solidFill>
+                  <a:srgbClr val="000000"/>
+                </a:solidFill>
+                <a:latin typeface="Trebuchet MS"/>
+              </a:rPr>
+              <a:t>:  </a:t>
+            </a:r>
+            <a:r>
+              <a:rPr lang="zh-CN" altLang="en-US" sz="2800" spc="-1" dirty="0">
+                <a:solidFill>
+                  <a:srgbClr val="000000"/>
+                </a:solidFill>
+                <a:latin typeface="Trebuchet MS"/>
+              </a:rPr>
+              <a:t>命令已经被提交到计算设备</a:t>
+            </a:r>
+            <a:endParaRPr lang="en-US" sz="2800" spc="-1" dirty="0">
               <a:latin typeface="Arial"/>
             </a:endParaRPr>
           </a:p>
@@ -9054,7 +9206,7 @@
               <a:buChar char="–"/>
             </a:pPr>
             <a:r>
-              <a:rPr lang="en-US" sz="2800" spc="-1">
+              <a:rPr lang="en-US" sz="2800" spc="-1" dirty="0">
                 <a:solidFill>
                   <a:srgbClr val="9BBB59"/>
                 </a:solidFill>
@@ -9063,15 +9215,24 @@
               <a:t>CL_RUNNING</a:t>
             </a:r>
             <a:r>
-              <a:rPr lang="en-US" sz="2800" spc="-1">
-                <a:solidFill>
-                  <a:srgbClr val="000000"/>
-                </a:solidFill>
-                <a:latin typeface="Trebuchet MS"/>
-              </a:rPr>
-              <a:t>:    compute device is executing the command</a:t>
-            </a:r>
-            <a:endParaRPr lang="en-US" sz="2800" spc="-1">
+              <a:rPr lang="en-US" sz="2800" spc="-1" dirty="0">
+                <a:solidFill>
+                  <a:srgbClr val="000000"/>
+                </a:solidFill>
+                <a:latin typeface="Trebuchet MS"/>
+              </a:rPr>
+              <a:t>:    </a:t>
+            </a:r>
+            <a:r>
+              <a:rPr lang="zh-CN" altLang="en-US" sz="2800" spc="-1" dirty="0">
+                <a:solidFill>
+                  <a:srgbClr val="000000"/>
+                </a:solidFill>
+                <a:latin typeface="Trebuchet MS"/>
+              </a:rPr>
+              <a:t>计算设备正在运行命令</a:t>
+            </a:r>
+            <a:endParaRPr lang="en-US" sz="2800" spc="-1" dirty="0">
               <a:latin typeface="Arial"/>
             </a:endParaRPr>
           </a:p>
@@ -9090,7 +9251,7 @@
               <a:buChar char="–"/>
             </a:pPr>
             <a:r>
-              <a:rPr lang="en-US" sz="2800" spc="-1">
+              <a:rPr lang="en-US" sz="2800" spc="-1" dirty="0">
                 <a:solidFill>
                   <a:srgbClr val="9BBB59"/>
                 </a:solidFill>
@@ -9099,15 +9260,24 @@
               <a:t>CL_COMPLETE</a:t>
             </a:r>
             <a:r>
-              <a:rPr lang="en-US" sz="2800" spc="-1">
-                <a:solidFill>
-                  <a:srgbClr val="000000"/>
-                </a:solidFill>
-                <a:latin typeface="Trebuchet MS"/>
-              </a:rPr>
-              <a:t>:  command has completed</a:t>
-            </a:r>
-            <a:endParaRPr lang="en-US" sz="2800" spc="-1">
+              <a:rPr lang="en-US" sz="2800" spc="-1" dirty="0">
+                <a:solidFill>
+                  <a:srgbClr val="000000"/>
+                </a:solidFill>
+                <a:latin typeface="Trebuchet MS"/>
+              </a:rPr>
+              <a:t>:  </a:t>
+            </a:r>
+            <a:r>
+              <a:rPr lang="zh-CN" altLang="en-US" sz="2800" spc="-1" dirty="0">
+                <a:solidFill>
+                  <a:srgbClr val="000000"/>
+                </a:solidFill>
+                <a:latin typeface="Trebuchet MS"/>
+              </a:rPr>
+              <a:t>命令运行完毕</a:t>
+            </a:r>
+            <a:endParaRPr lang="en-US" sz="2800" spc="-1" dirty="0">
               <a:latin typeface="Arial"/>
             </a:endParaRPr>
           </a:p>
@@ -9126,7 +9296,7 @@
               <a:buChar char="–"/>
             </a:pPr>
             <a:r>
-              <a:rPr lang="en-US" sz="2800" spc="-1">
+              <a:rPr lang="en-US" sz="2800" spc="-1" dirty="0">
                 <a:solidFill>
                   <a:srgbClr val="9BBB59"/>
                 </a:solidFill>
@@ -9135,25 +9305,33 @@
               <a:t>ERROR_CODE</a:t>
             </a:r>
             <a:r>
-              <a:rPr lang="en-US" sz="2800" spc="-1">
-                <a:solidFill>
-                  <a:srgbClr val="000000"/>
-                </a:solidFill>
-                <a:latin typeface="Trebuchet MS"/>
-              </a:rPr>
-              <a:t>:   a negative value indicates an error condition </a:t>
-            </a:r>
-            <a:br/>
-            <a:r>
-              <a:rPr lang="en-US" sz="2800" spc="-1">
-                <a:solidFill>
-                  <a:srgbClr val="000000"/>
-                </a:solidFill>
-                <a:latin typeface="Trebuchet MS"/>
-              </a:rPr>
-              <a:t>                        occurred. </a:t>
-            </a:r>
-            <a:endParaRPr lang="en-US" sz="2800" spc="-1">
+              <a:rPr lang="en-US" sz="2800" spc="-1" dirty="0">
+                <a:solidFill>
+                  <a:srgbClr val="000000"/>
+                </a:solidFill>
+                <a:latin typeface="Trebuchet MS"/>
+              </a:rPr>
+              <a:t>:   </a:t>
+            </a:r>
+            <a:r>
+              <a:rPr lang="zh-CN" altLang="en-US" sz="2800" spc="-1" dirty="0">
+                <a:solidFill>
+                  <a:srgbClr val="000000"/>
+                </a:solidFill>
+                <a:latin typeface="Trebuchet MS"/>
+              </a:rPr>
+              <a:t>一个负值，表示发生了错误</a:t>
+            </a:r>
+            <a:r>
+              <a:rPr lang="en-US" sz="2800" spc="-1" dirty="0">
+                <a:solidFill>
+                  <a:srgbClr val="000000"/>
+                </a:solidFill>
+                <a:latin typeface="Trebuchet MS"/>
+              </a:rPr>
+              <a:t> </a:t>
+            </a:r>
+            <a:endParaRPr lang="en-US" sz="2800" spc="-1" dirty="0">
               <a:latin typeface="Arial"/>
             </a:endParaRPr>
           </a:p>
@@ -9172,15 +9350,69 @@
               <a:buChar char="•"/>
             </a:pPr>
             <a:r>
-              <a:rPr lang="en-US" sz="3200" spc="-1">
-                <a:solidFill>
-                  <a:srgbClr val="000000"/>
-                </a:solidFill>
-                <a:latin typeface="Trebuchet MS"/>
-              </a:rPr>
-              <a:t>Can query the value of an event from the host … for example to track the progress of a command.</a:t>
-            </a:r>
-            <a:endParaRPr lang="en-US" sz="3200" spc="-1">
+              <a:rPr lang="zh-CN" altLang="en-US" sz="3200" spc="-1" dirty="0">
+                <a:solidFill>
+                  <a:srgbClr val="000000"/>
+                </a:solidFill>
+                <a:latin typeface="Trebuchet MS"/>
+              </a:rPr>
+              <a:t>在宿主（</a:t>
+            </a:r>
+            <a:r>
+              <a:rPr lang="en-US" altLang="zh-CN" sz="3200" spc="-1" dirty="0">
+                <a:solidFill>
+                  <a:srgbClr val="000000"/>
+                </a:solidFill>
+                <a:latin typeface="Trebuchet MS"/>
+              </a:rPr>
+              <a:t>host</a:t>
+            </a:r>
+            <a:r>
+              <a:rPr lang="zh-CN" altLang="en-US" sz="3200" spc="-1" dirty="0">
+                <a:solidFill>
+                  <a:srgbClr val="000000"/>
+                </a:solidFill>
+                <a:latin typeface="Trebuchet MS"/>
+              </a:rPr>
+              <a:t>）上可以查询（</a:t>
+            </a:r>
+            <a:r>
+              <a:rPr lang="en-US" altLang="zh-CN" sz="3200" spc="-1" dirty="0">
+                <a:solidFill>
+                  <a:srgbClr val="000000"/>
+                </a:solidFill>
+                <a:latin typeface="Trebuchet MS"/>
+              </a:rPr>
+              <a:t>query</a:t>
+            </a:r>
+            <a:r>
+              <a:rPr lang="zh-CN" altLang="en-US" sz="3200" spc="-1" dirty="0">
+                <a:solidFill>
+                  <a:srgbClr val="000000"/>
+                </a:solidFill>
+                <a:latin typeface="Trebuchet MS"/>
+              </a:rPr>
+              <a:t>）一个事件的值</a:t>
+            </a:r>
+            <a:r>
+              <a:rPr lang="en-US" sz="3200" spc="-1" dirty="0">
+                <a:solidFill>
+                  <a:srgbClr val="000000"/>
+                </a:solidFill>
+                <a:latin typeface="Trebuchet MS"/>
+              </a:rPr>
+              <a:t> … </a:t>
+            </a:r>
+            <a:r>
+              <a:rPr lang="zh-CN" altLang="en-US" sz="3200" spc="-1" dirty="0">
+                <a:solidFill>
+                  <a:srgbClr val="000000"/>
+                </a:solidFill>
+                <a:latin typeface="Trebuchet MS"/>
+              </a:rPr>
+              <a:t>比如追踪一个命令的运行进程</a:t>
+            </a:r>
+            <a:endParaRPr lang="en-US" sz="3200" spc="-1" dirty="0">
               <a:latin typeface="Arial"/>
             </a:endParaRPr>
           </a:p>
@@ -9193,7 +9425,7 @@
                 <a:spcPts val="641"/>
               </a:spcBef>
             </a:pPr>
-            <a:endParaRPr lang="en-US" sz="3200" spc="-1">
+            <a:endParaRPr lang="en-US" sz="3200" spc="-1" dirty="0">
               <a:latin typeface="Arial"/>
             </a:endParaRPr>
           </a:p>
@@ -9323,7 +9555,7 @@
         </p:nvSpPr>
         <p:spPr>
           <a:xfrm>
-            <a:off x="6139560" y="4851720"/>
+            <a:off x="7491950" y="5137200"/>
             <a:ext cx="4831560" cy="1156320"/>
           </a:xfrm>
           <a:prstGeom prst="rect">
@@ -9356,16 +9588,15 @@
               </a:lnSpc>
             </a:pPr>
             <a:r>
-              <a:rPr lang="en-US" spc="-1">
+              <a:rPr lang="zh-CN" altLang="en-US" spc="-1" dirty="0">
                 <a:solidFill>
                   <a:srgbClr val="4F81BD"/>
                 </a:solidFill>
                 <a:latin typeface="Trebuchet MS"/>
-                <a:ea typeface="DejaVu Sans"/>
-              </a:rPr>
-              <a:t>Examples:</a:t>
-            </a:r>
-            <a:endParaRPr lang="en-US" spc="-1">
+              </a:rPr>
+              <a:t>举例：</a:t>
+            </a:r>
+            <a:endParaRPr lang="en-US" spc="-1" dirty="0">
               <a:latin typeface="Arial"/>
             </a:endParaRPr>
           </a:p>
@@ -9378,7 +9609,7 @@
               <a:buChar char="•"/>
             </a:pPr>
             <a:r>
-              <a:rPr lang="en-US" spc="-1">
+              <a:rPr lang="en-US" spc="-1" dirty="0">
                 <a:solidFill>
                   <a:srgbClr val="4F81BD"/>
                 </a:solidFill>
@@ -9387,7 +9618,7 @@
               </a:rPr>
               <a:t>CL_EVENT_CONTEXT</a:t>
             </a:r>
-            <a:endParaRPr lang="en-US" spc="-1">
+            <a:endParaRPr lang="en-US" spc="-1" dirty="0">
               <a:latin typeface="Arial"/>
             </a:endParaRPr>
           </a:p>
@@ -9400,7 +9631,7 @@
               <a:buChar char="•"/>
             </a:pPr>
             <a:r>
-              <a:rPr lang="en-US" sz="1600" spc="-1">
+              <a:rPr lang="en-US" sz="1600" spc="-1" dirty="0">
                 <a:solidFill>
                   <a:srgbClr val="4F81BD"/>
                 </a:solidFill>
@@ -9409,7 +9640,7 @@
               </a:rPr>
               <a:t>CL_EVENT_COMMAND_EXECUTION_STATUS</a:t>
             </a:r>
-            <a:endParaRPr lang="en-US" sz="1600" spc="-1">
+            <a:endParaRPr lang="en-US" sz="1600" spc="-1" dirty="0">
               <a:latin typeface="Arial"/>
             </a:endParaRPr>
           </a:p>
@@ -9422,7 +9653,7 @@
               <a:buChar char="•"/>
             </a:pPr>
             <a:r>
-              <a:rPr lang="en-US" spc="-1">
+              <a:rPr lang="en-US" spc="-1" dirty="0">
                 <a:solidFill>
                   <a:srgbClr val="4F81BD"/>
                 </a:solidFill>
@@ -9431,7 +9662,7 @@
               </a:rPr>
               <a:t>CL_EVENT_COMMAND_TYPE</a:t>
             </a:r>
-            <a:endParaRPr lang="en-US" spc="-1">
+            <a:endParaRPr lang="en-US" spc="-1" dirty="0">
               <a:latin typeface="Arial"/>
             </a:endParaRPr>
           </a:p>
@@ -9445,8 +9676,8 @@
         </p:nvSpPr>
         <p:spPr>
           <a:xfrm flipH="1">
-            <a:off x="5879280" y="5364360"/>
-            <a:ext cx="503280" cy="583920"/>
+            <a:off x="5879280" y="5624712"/>
+            <a:ext cx="1612670" cy="323567"/>
           </a:xfrm>
           <a:custGeom>
             <a:avLst/>
@@ -9545,7 +9776,7 @@
         </p:style>
         <p:txBody>
           <a:bodyPr lIns="90000" tIns="45000" rIns="90000" bIns="45000" anchor="ctr">
-            <a:normAutofit/>
+            <a:normAutofit lnSpcReduction="10000"/>
           </a:bodyPr>
           <a:lstStyle/>
           <a:p>
@@ -9555,7 +9786,29 @@
               </a:lnSpc>
             </a:pPr>
             <a:r>
-              <a:rPr lang="en-US" sz="4400" spc="-1">
+              <a:rPr lang="zh-CN" altLang="en-US" sz="4400" spc="-1" dirty="0">
+                <a:solidFill>
+                  <a:srgbClr val="000000"/>
+                </a:solidFill>
+                <a:latin typeface="Trebuchet MS"/>
+              </a:rPr>
+              <a:t>创建和消解事件</a:t>
+            </a:r>
+            <a:endParaRPr lang="en-US" altLang="zh-CN" sz="4400" spc="-1" dirty="0">
+              <a:solidFill>
+                <a:srgbClr val="000000"/>
+              </a:solidFill>
+              <a:latin typeface="Trebuchet MS"/>
+            </a:endParaRPr>
+          </a:p>
+          <a:p>
+            <a:pPr algn="ctr">
+              <a:lnSpc>
+                <a:spcPct val="100000"/>
+              </a:lnSpc>
+            </a:pPr>
+            <a:r>
+              <a:rPr lang="en-US" sz="2600" spc="-1" dirty="0">
                 <a:solidFill>
                   <a:srgbClr val="000000"/>
                 </a:solidFill>
@@ -9563,7 +9816,7 @@
               </a:rPr>
               <a:t>Generating and consuming events</a:t>
             </a:r>
-            <a:endParaRPr lang="en-US" sz="4400" spc="-1">
+            <a:endParaRPr lang="en-US" sz="2600" spc="-1" dirty="0">
               <a:latin typeface="Arial"/>
             </a:endParaRPr>
           </a:p>
@@ -9602,7 +9855,7 @@
         </p:style>
         <p:txBody>
           <a:bodyPr lIns="90000" tIns="45000" rIns="90000" bIns="45000">
-            <a:normAutofit fontScale="70000" lnSpcReduction="20000"/>
+            <a:normAutofit fontScale="55000" lnSpcReduction="20000"/>
           </a:bodyPr>
           <a:lstStyle/>
           <a:p>
@@ -9617,15 +9870,87 @@
               <a:buChar char="•"/>
             </a:pPr>
             <a:r>
-              <a:rPr lang="en-US" sz="3200" spc="-1">
-                <a:solidFill>
-                  <a:srgbClr val="000000"/>
-                </a:solidFill>
-                <a:latin typeface="Trebuchet MS"/>
-              </a:rPr>
-              <a:t>Consider the command to enqueue a kernel.  The last three arguments optionally expose events (NULL otherwise).</a:t>
-            </a:r>
-            <a:endParaRPr lang="en-US" sz="3200" spc="-1">
+              <a:rPr lang="zh-CN" altLang="en-US" sz="3200" spc="-1" dirty="0">
+                <a:solidFill>
+                  <a:srgbClr val="000000"/>
+                </a:solidFill>
+                <a:latin typeface="Trebuchet MS"/>
+              </a:rPr>
+              <a:t>设想将一个核函数提交队列的命令（</a:t>
+            </a:r>
+            <a:r>
+              <a:rPr lang="en-US" altLang="zh-CN" sz="3200" spc="-1" dirty="0">
+                <a:solidFill>
+                  <a:srgbClr val="000000"/>
+                </a:solidFill>
+                <a:latin typeface="Trebuchet MS"/>
+              </a:rPr>
+              <a:t> command to enqueue a kernel </a:t>
+            </a:r>
+            <a:r>
+              <a:rPr lang="zh-CN" altLang="en-US" sz="3200" spc="-1" dirty="0">
+                <a:solidFill>
+                  <a:srgbClr val="000000"/>
+                </a:solidFill>
+                <a:latin typeface="Trebuchet MS"/>
+              </a:rPr>
+              <a:t>）。最后三个参数（</a:t>
+            </a:r>
+            <a:r>
+              <a:rPr lang="en-US" altLang="zh-CN" sz="3200" spc="-1" dirty="0">
+                <a:solidFill>
+                  <a:srgbClr val="000000"/>
+                </a:solidFill>
+                <a:latin typeface="Trebuchet MS"/>
+              </a:rPr>
+              <a:t>arguments</a:t>
+            </a:r>
+            <a:r>
+              <a:rPr lang="zh-CN" altLang="en-US" sz="3200" spc="-1" dirty="0">
+                <a:solidFill>
+                  <a:srgbClr val="000000"/>
+                </a:solidFill>
+                <a:latin typeface="Trebuchet MS"/>
+              </a:rPr>
+              <a:t>）就是用于暴露事件（</a:t>
+            </a:r>
+            <a:r>
+              <a:rPr lang="en-US" altLang="zh-CN" sz="3200" spc="-1" dirty="0">
+                <a:solidFill>
+                  <a:srgbClr val="000000"/>
+                </a:solidFill>
+                <a:latin typeface="Trebuchet MS"/>
+              </a:rPr>
+              <a:t>expose events</a:t>
+            </a:r>
+            <a:r>
+              <a:rPr lang="zh-CN" altLang="en-US" sz="3200" spc="-1" dirty="0">
+                <a:solidFill>
+                  <a:srgbClr val="000000"/>
+                </a:solidFill>
+                <a:latin typeface="Trebuchet MS"/>
+              </a:rPr>
+              <a:t>）（否则为 </a:t>
+            </a:r>
+            <a:r>
+              <a:rPr lang="en-US" altLang="zh-CN" sz="3200" spc="-1" dirty="0">
+                <a:solidFill>
+                  <a:srgbClr val="000000"/>
+                </a:solidFill>
+                <a:latin typeface="Trebuchet MS"/>
+              </a:rPr>
+              <a:t>NULL </a:t>
+            </a:r>
+            <a:r>
+              <a:rPr lang="zh-CN" altLang="en-US" sz="3200" spc="-1" dirty="0">
+                <a:solidFill>
+                  <a:srgbClr val="000000"/>
+                </a:solidFill>
+                <a:latin typeface="Trebuchet MS"/>
+              </a:rPr>
+              <a:t>）。</a:t>
+            </a:r>
+            <a:endParaRPr lang="en-US" sz="3200" spc="-1" dirty="0">
               <a:latin typeface="Arial"/>
             </a:endParaRPr>
           </a:p>
@@ -9635,7 +9960,7 @@
                 <a:spcPts val="641"/>
               </a:spcBef>
             </a:pPr>
-            <a:endParaRPr lang="en-US" sz="3200" spc="-1">
+            <a:endParaRPr lang="en-US" sz="3200" spc="-1" dirty="0">
               <a:latin typeface="Arial"/>
             </a:endParaRPr>
           </a:p>
@@ -10075,8 +10400,8 @@
         </p:nvSpPr>
         <p:spPr>
           <a:xfrm>
-            <a:off x="1991640" y="5983200"/>
-            <a:ext cx="3527640" cy="638640"/>
+            <a:off x="384201" y="6219360"/>
+            <a:ext cx="6393116" cy="638640"/>
           </a:xfrm>
           <a:prstGeom prst="rect">
             <a:avLst/>
@@ -10108,17 +10433,56 @@
               </a:lnSpc>
             </a:pPr>
             <a:r>
-              <a:rPr lang="en-US" spc="-1">
+              <a:rPr lang="zh-CN" altLang="en-US" spc="-1" dirty="0">
                 <a:solidFill>
                   <a:srgbClr val="4F81BD"/>
                 </a:solidFill>
                 <a:latin typeface="Trebuchet MS"/>
                 <a:ea typeface="DejaVu Sans"/>
               </a:rPr>
+              <a:t>指向这个命令生成的一个</a:t>
+            </a:r>
+            <a:r>
+              <a:rPr lang="zh-CN" altLang="en-US" spc="-1" dirty="0">
+                <a:solidFill>
+                  <a:srgbClr val="9BBB59"/>
+                </a:solidFill>
+                <a:latin typeface="Trebuchet MS"/>
+                <a:ea typeface="DejaVu Sans"/>
+              </a:rPr>
+              <a:t>事件对象</a:t>
+            </a:r>
+            <a:r>
+              <a:rPr lang="zh-CN" altLang="en-US" spc="-1" dirty="0">
+                <a:solidFill>
+                  <a:srgbClr val="4F81BD"/>
+                </a:solidFill>
+                <a:latin typeface="Trebuchet MS"/>
+                <a:ea typeface="DejaVu Sans"/>
+              </a:rPr>
+              <a:t>的指针</a:t>
+            </a:r>
+            <a:endParaRPr lang="en-US" spc="-1" dirty="0">
+              <a:solidFill>
+                <a:srgbClr val="4F81BD"/>
+              </a:solidFill>
+              <a:latin typeface="Trebuchet MS"/>
+              <a:ea typeface="DejaVu Sans"/>
+            </a:endParaRPr>
+          </a:p>
+          <a:p>
+            <a:r>
+              <a:rPr lang="en-US" altLang="zh-CN" spc="-1" dirty="0">
+                <a:solidFill>
+                  <a:srgbClr val="4F81BD"/>
+                </a:solidFill>
+                <a:latin typeface="Trebuchet MS"/>
+                <a:ea typeface="DejaVu Sans"/>
+              </a:rPr>
               <a:t>Pointer to an </a:t>
             </a:r>
             <a:r>
-              <a:rPr lang="en-US" spc="-1">
+              <a:rPr lang="en-US" altLang="zh-CN" spc="-1" dirty="0">
                 <a:solidFill>
                   <a:srgbClr val="9BBB59"/>
                 </a:solidFill>
@@ -10128,7 +10492,7 @@
               <a:t>event object </a:t>
             </a:r>
             <a:r>
-              <a:rPr lang="en-US" spc="-1">
+              <a:rPr lang="en-US" altLang="zh-CN" spc="-1" dirty="0">
                 <a:solidFill>
                   <a:srgbClr val="4F81BD"/>
                 </a:solidFill>
@@ -10137,7 +10501,17 @@
               </a:rPr>
               <a:t>generated by this command</a:t>
             </a:r>
-            <a:endParaRPr lang="en-US" spc="-1">
+            <a:endParaRPr lang="en-US" altLang="zh-CN" spc="-1" dirty="0">
+              <a:latin typeface="Arial"/>
+            </a:endParaRPr>
+          </a:p>
+          <a:p>
+            <a:pPr>
+              <a:lnSpc>
+                <a:spcPct val="100000"/>
+              </a:lnSpc>
+            </a:pPr>
+            <a:endParaRPr lang="en-US" spc="-1" dirty="0">
               <a:latin typeface="Arial"/>
             </a:endParaRPr>
           </a:p>
@@ -10151,8 +10525,8 @@
         </p:nvSpPr>
         <p:spPr>
           <a:xfrm flipV="1">
-            <a:off x="3755640" y="5228640"/>
-            <a:ext cx="395280" cy="753480"/>
+            <a:off x="3780544" y="5228640"/>
+            <a:ext cx="370375" cy="990720"/>
           </a:xfrm>
           <a:custGeom>
             <a:avLst/>
@@ -10201,8 +10575,8 @@
         </p:nvSpPr>
         <p:spPr>
           <a:xfrm>
-            <a:off x="6384000" y="5229360"/>
-            <a:ext cx="3527640" cy="1187280"/>
+            <a:off x="5838080" y="5416436"/>
+            <a:ext cx="6217815" cy="1187280"/>
           </a:xfrm>
           <a:prstGeom prst="rect">
             <a:avLst/>
@@ -10234,17 +10608,55 @@
               </a:lnSpc>
             </a:pPr>
             <a:r>
-              <a:rPr lang="en-US" spc="-1">
+              <a:rPr lang="zh-CN" altLang="en-US" spc="-1" dirty="0">
                 <a:solidFill>
                   <a:srgbClr val="9BBB59"/>
                 </a:solidFill>
                 <a:latin typeface="Trebuchet MS"/>
                 <a:ea typeface="DejaVu Sans"/>
               </a:rPr>
+              <a:t>正等待的事件指针数组</a:t>
+            </a:r>
+            <a:r>
+              <a:rPr lang="en-US" spc="-1" dirty="0">
+                <a:solidFill>
+                  <a:srgbClr val="4F81BD"/>
+                </a:solidFill>
+                <a:latin typeface="Trebuchet MS"/>
+                <a:ea typeface="DejaVu Sans"/>
+              </a:rPr>
+              <a:t>… </a:t>
+            </a:r>
+            <a:r>
+              <a:rPr lang="zh-CN" altLang="en-US" spc="-1" dirty="0">
+                <a:solidFill>
+                  <a:srgbClr val="4F81BD"/>
+                </a:solidFill>
+                <a:latin typeface="Trebuchet MS"/>
+                <a:ea typeface="DejaVu Sans"/>
+              </a:rPr>
+              <a:t>命令队列和事件必须共享上下文</a:t>
+            </a:r>
+            <a:endParaRPr lang="en-US" spc="-1" dirty="0">
+              <a:solidFill>
+                <a:srgbClr val="4F81BD"/>
+              </a:solidFill>
+              <a:latin typeface="Trebuchet MS"/>
+            </a:endParaRPr>
+          </a:p>
+          <a:p>
+            <a:r>
+              <a:rPr lang="en-US" altLang="zh-CN" spc="-1" dirty="0">
+                <a:solidFill>
+                  <a:srgbClr val="9BBB59"/>
+                </a:solidFill>
+                <a:latin typeface="Trebuchet MS"/>
+                <a:ea typeface="DejaVu Sans"/>
+              </a:rPr>
               <a:t>Array of pointers to the events being waited upon </a:t>
             </a:r>
             <a:r>
-              <a:rPr lang="en-US" spc="-1">
+              <a:rPr lang="en-US" altLang="zh-CN" spc="-1" dirty="0">
                 <a:solidFill>
                   <a:srgbClr val="4F81BD"/>
                 </a:solidFill>
@@ -10253,7 +10665,17 @@
               </a:rPr>
               <a:t>… Command queue and events must share a context.</a:t>
             </a:r>
-            <a:endParaRPr lang="en-US" spc="-1">
+            <a:endParaRPr lang="en-US" altLang="zh-CN" spc="-1" dirty="0">
+              <a:latin typeface="Arial"/>
+            </a:endParaRPr>
+          </a:p>
+          <a:p>
+            <a:pPr>
+              <a:lnSpc>
+                <a:spcPct val="100000"/>
+              </a:lnSpc>
+            </a:pPr>
+            <a:endParaRPr lang="en-US" spc="-1" dirty="0">
               <a:latin typeface="Arial"/>
             </a:endParaRPr>
           </a:p>
@@ -10268,7 +10690,7 @@
         <p:spPr>
           <a:xfrm flipH="1" flipV="1">
             <a:off x="6671280" y="4868280"/>
-            <a:ext cx="1810080" cy="370800"/>
+            <a:ext cx="1227907" cy="548156"/>
           </a:xfrm>
           <a:custGeom>
             <a:avLst/>
@@ -10317,8 +10739,8 @@
         </p:nvSpPr>
         <p:spPr>
           <a:xfrm>
-            <a:off x="6834000" y="2923560"/>
-            <a:ext cx="3527640" cy="912960"/>
+            <a:off x="6671281" y="2923560"/>
+            <a:ext cx="5930534" cy="912960"/>
           </a:xfrm>
           <a:prstGeom prst="rect">
             <a:avLst/>
@@ -10350,37 +10772,100 @@
               </a:lnSpc>
             </a:pPr>
             <a:r>
-              <a:rPr lang="en-US" spc="-1">
+              <a:rPr lang="zh-CN" altLang="en-US" spc="-1" dirty="0">
                 <a:solidFill>
                   <a:srgbClr val="9BBB59"/>
                 </a:solidFill>
                 <a:latin typeface="Trebuchet MS"/>
                 <a:ea typeface="DejaVu Sans"/>
               </a:rPr>
+              <a:t>事件数目 </a:t>
+            </a:r>
+            <a:r>
+              <a:rPr lang="en-US" spc="-1" dirty="0">
+                <a:solidFill>
+                  <a:srgbClr val="9BBB59"/>
+                </a:solidFill>
+                <a:latin typeface="Trebuchet MS"/>
+                <a:ea typeface="DejaVu Sans"/>
+              </a:rPr>
               <a:t>Number of events </a:t>
             </a:r>
             <a:r>
-              <a:rPr lang="en-US" spc="-1">
+              <a:rPr lang="zh-CN" altLang="en-US" spc="-1" dirty="0">
                 <a:solidFill>
                   <a:srgbClr val="4F81BD"/>
                 </a:solidFill>
                 <a:latin typeface="Trebuchet MS"/>
                 <a:ea typeface="DejaVu Sans"/>
               </a:rPr>
-              <a:t>this command is waiting to complete </a:t>
-            </a:r>
-            <a:r>
-              <a:rPr lang="en-US" spc="-1">
+              <a:t>这个命令等待在运行</a:t>
+            </a:r>
+            <a:r>
+              <a:rPr lang="zh-CN" altLang="en-US" spc="-1" dirty="0">
                 <a:solidFill>
                   <a:srgbClr val="C0504D"/>
                 </a:solidFill>
                 <a:latin typeface="Trebuchet MS"/>
+              </a:rPr>
+              <a:t>前</a:t>
+            </a:r>
+            <a:r>
+              <a:rPr lang="zh-CN" altLang="en-US" spc="-1" dirty="0">
+                <a:solidFill>
+                  <a:srgbClr val="4F81BD"/>
+                </a:solidFill>
+                <a:latin typeface="Trebuchet MS"/>
+                <a:ea typeface="DejaVu Sans"/>
+              </a:rPr>
+              <a:t>完成</a:t>
+            </a:r>
+            <a:endParaRPr lang="en-US" altLang="zh-CN" spc="-1" dirty="0">
+              <a:solidFill>
+                <a:srgbClr val="4F81BD"/>
+              </a:solidFill>
+              <a:latin typeface="Trebuchet MS"/>
+              <a:ea typeface="DejaVu Sans"/>
+            </a:endParaRPr>
+          </a:p>
+          <a:p>
+            <a:pPr>
+              <a:lnSpc>
+                <a:spcPct val="100000"/>
+              </a:lnSpc>
+            </a:pPr>
+            <a:r>
+              <a:rPr lang="en-US" altLang="zh-CN" spc="-1" dirty="0">
+                <a:solidFill>
+                  <a:srgbClr val="4F81BD"/>
+                </a:solidFill>
+                <a:latin typeface="Trebuchet MS"/>
+                <a:ea typeface="DejaVu Sans"/>
+              </a:rPr>
+              <a:t>this comman</a:t>
+            </a:r>
+            <a:r>
+              <a:rPr lang="en-US" spc="-1" dirty="0">
+                <a:solidFill>
+                  <a:srgbClr val="4F81BD"/>
+                </a:solidFill>
+                <a:latin typeface="Trebuchet MS"/>
+                <a:ea typeface="DejaVu Sans"/>
+              </a:rPr>
+              <a:t>d is waiting to complete </a:t>
+            </a:r>
+            <a:r>
+              <a:rPr lang="en-US" spc="-1" dirty="0">
+                <a:solidFill>
+                  <a:srgbClr val="C0504D"/>
+                </a:solidFill>
+                <a:latin typeface="Trebuchet MS"/>
                 <a:ea typeface="DejaVu Sans"/>
               </a:rPr>
               <a:t>before</a:t>
             </a:r>
             <a:r>
-              <a:rPr lang="en-US" spc="-1">
+              <a:rPr lang="en-US" spc="-1" dirty="0">
                 <a:solidFill>
                   <a:srgbClr val="4F81BD"/>
                 </a:solidFill>
@@ -10389,7 +10874,7 @@
               </a:rPr>
               <a:t> executing</a:t>
             </a:r>
-            <a:endParaRPr lang="en-US" spc="-1">
+            <a:endParaRPr lang="en-US" spc="-1" dirty="0">
               <a:latin typeface="Arial"/>
             </a:endParaRPr>
           </a:p>
@@ -10511,15 +10996,15 @@
               </a:lnSpc>
             </a:pPr>
             <a:r>
-              <a:rPr lang="en-US" sz="4400" spc="-1">
-                <a:solidFill>
-                  <a:srgbClr val="000000"/>
-                </a:solidFill>
-                <a:latin typeface="Trebuchet MS"/>
-              </a:rPr>
-              <a:t>Event: basic event usage</a:t>
-            </a:r>
-            <a:endParaRPr lang="en-US" sz="4400" spc="-1">
+              <a:rPr lang="zh-CN" altLang="en-US" sz="4400" spc="-1" dirty="0">
+                <a:solidFill>
+                  <a:srgbClr val="000000"/>
+                </a:solidFill>
+                <a:latin typeface="Trebuchet MS"/>
+              </a:rPr>
+              <a:t>事件的基本用法</a:t>
+            </a:r>
+            <a:endParaRPr lang="en-US" sz="4400" spc="-1" dirty="0">
               <a:latin typeface="Arial"/>
             </a:endParaRPr>
           </a:p>
@@ -10558,7 +11043,7 @@
         </p:style>
         <p:txBody>
           <a:bodyPr lIns="90000" tIns="45000" rIns="90000" bIns="45000">
-            <a:normAutofit lnSpcReduction="10000"/>
+            <a:normAutofit fontScale="85000" lnSpcReduction="10000"/>
           </a:bodyPr>
           <a:lstStyle/>
           <a:p>
@@ -10573,33 +11058,69 @@
               <a:buChar char="•"/>
             </a:pPr>
             <a:r>
-              <a:rPr lang="en-US" sz="3200" spc="-1">
-                <a:solidFill>
-                  <a:srgbClr val="000000"/>
-                </a:solidFill>
-                <a:latin typeface="Trebuchet MS"/>
-              </a:rPr>
-              <a:t>Events can be used to </a:t>
-            </a:r>
-            <a:r>
-              <a:rPr lang="en-US" sz="3200" spc="-1">
+              <a:rPr lang="zh-CN" altLang="en-US" sz="3200" spc="-1" dirty="0">
+                <a:solidFill>
+                  <a:srgbClr val="000000"/>
+                </a:solidFill>
+                <a:latin typeface="Trebuchet MS"/>
+              </a:rPr>
+              <a:t>事件（</a:t>
+            </a:r>
+            <a:r>
+              <a:rPr lang="en-US" altLang="zh-CN" sz="3200" spc="-1" dirty="0">
+                <a:solidFill>
+                  <a:srgbClr val="000000"/>
+                </a:solidFill>
+                <a:latin typeface="Trebuchet MS"/>
+              </a:rPr>
+              <a:t>event</a:t>
+            </a:r>
+            <a:r>
+              <a:rPr lang="zh-CN" altLang="en-US" sz="3200" spc="-1" dirty="0">
+                <a:solidFill>
+                  <a:srgbClr val="000000"/>
+                </a:solidFill>
+                <a:latin typeface="Trebuchet MS"/>
+              </a:rPr>
+              <a:t>）可以用于对核函数执行（</a:t>
+            </a:r>
+            <a:r>
+              <a:rPr lang="en-US" altLang="zh-CN" sz="3200" spc="-1" dirty="0">
+                <a:solidFill>
+                  <a:srgbClr val="000000"/>
+                </a:solidFill>
+                <a:latin typeface="Trebuchet MS"/>
+              </a:rPr>
+              <a:t>kernel execution</a:t>
+            </a:r>
+            <a:r>
+              <a:rPr lang="zh-CN" altLang="en-US" sz="3200" spc="-1" dirty="0">
+                <a:solidFill>
+                  <a:srgbClr val="000000"/>
+                </a:solidFill>
+                <a:latin typeface="Trebuchet MS"/>
+              </a:rPr>
+              <a:t>）</a:t>
+            </a:r>
+            <a:r>
+              <a:rPr lang="zh-CN" altLang="en-US" sz="3200" spc="-1" dirty="0">
                 <a:solidFill>
                   <a:srgbClr val="4F81BD"/>
                 </a:solidFill>
                 <a:latin typeface="Trebuchet MS"/>
               </a:rPr>
-              <a:t>impose order constraints</a:t>
-            </a:r>
-            <a:r>
-              <a:rPr lang="en-US" sz="3200" spc="-1">
-                <a:solidFill>
-                  <a:srgbClr val="000000"/>
-                </a:solidFill>
-                <a:latin typeface="Trebuchet MS"/>
-              </a:rPr>
-              <a:t> on kernel execution.</a:t>
-            </a:r>
-            <a:endParaRPr lang="en-US" sz="3200" spc="-1">
+              <a:t>施加顺序约束</a:t>
+            </a:r>
+            <a:r>
+              <a:rPr lang="en-US" altLang="zh-CN" sz="3200" spc="-1" dirty="0">
+                <a:solidFill>
+                  <a:srgbClr val="4F81BD"/>
+                </a:solidFill>
+                <a:latin typeface="Trebuchet MS"/>
+              </a:rPr>
+              <a:t>(impose order constraints)</a:t>
+            </a:r>
+            <a:endParaRPr lang="en-US" sz="3200" spc="-1" dirty="0">
               <a:latin typeface="Arial"/>
             </a:endParaRPr>
           </a:p>
@@ -10615,33 +11136,42 @@
               <a:buChar char="•"/>
             </a:pPr>
             <a:r>
-              <a:rPr lang="en-US" sz="3200" spc="-1">
-                <a:solidFill>
-                  <a:srgbClr val="000000"/>
-                </a:solidFill>
-                <a:latin typeface="Trebuchet MS"/>
-              </a:rPr>
-              <a:t>Very useful with </a:t>
-            </a:r>
-            <a:r>
-              <a:rPr lang="en-US" sz="3200" spc="-1">
+              <a:rPr lang="zh-CN" altLang="en-US" sz="3200" spc="-1" dirty="0">
+                <a:solidFill>
+                  <a:srgbClr val="000000"/>
+                </a:solidFill>
+                <a:latin typeface="Trebuchet MS"/>
+              </a:rPr>
+              <a:t>非常适合用于</a:t>
+            </a:r>
+            <a:r>
+              <a:rPr lang="zh-CN" altLang="en-US" sz="3200" spc="-1" dirty="0">
                 <a:solidFill>
                   <a:srgbClr val="C0504D"/>
                 </a:solidFill>
                 <a:latin typeface="Trebuchet MS"/>
               </a:rPr>
-              <a:t>out-of-order queues</a:t>
-            </a:r>
-            <a:r>
-              <a:rPr lang="en-US" sz="3200" spc="-1">
-                <a:solidFill>
-                  <a:srgbClr val="000000"/>
-                </a:solidFill>
-                <a:latin typeface="Trebuchet MS"/>
-              </a:rPr>
-              <a:t>.</a:t>
-            </a:r>
-            <a:endParaRPr lang="en-US" sz="3200" spc="-1">
+              <a:t>无序队列（</a:t>
+            </a:r>
+            <a:r>
+              <a:rPr lang="en-US" altLang="zh-CN" sz="3200" spc="-1" dirty="0">
+                <a:solidFill>
+                  <a:srgbClr val="C0504D"/>
+                </a:solidFill>
+                <a:latin typeface="Trebuchet MS"/>
+              </a:rPr>
+              <a:t> out-of-order queues </a:t>
+            </a:r>
+            <a:r>
+              <a:rPr lang="zh-CN" altLang="en-US" sz="3200" spc="-1" dirty="0">
+                <a:solidFill>
+                  <a:srgbClr val="C0504D"/>
+                </a:solidFill>
+                <a:latin typeface="Trebuchet MS"/>
+              </a:rPr>
+              <a:t>）</a:t>
+            </a:r>
+            <a:endParaRPr lang="en-US" sz="3200" spc="-1" dirty="0">
               <a:latin typeface="Arial"/>
             </a:endParaRPr>
           </a:p>
@@ -10962,7 +11492,7 @@
         <p:spPr>
           <a:xfrm>
             <a:off x="8589000" y="4038480"/>
-            <a:ext cx="2015640" cy="912960"/>
+            <a:ext cx="4120392" cy="912960"/>
           </a:xfrm>
           <a:prstGeom prst="rect">
             <a:avLst/>
@@ -10994,16 +11524,40 @@
               </a:lnSpc>
             </a:pPr>
             <a:r>
-              <a:rPr lang="en-US" spc="-1">
+              <a:rPr lang="zh-CN" altLang="en-US" spc="-1" dirty="0">
                 <a:solidFill>
                   <a:srgbClr val="4F81BD"/>
                 </a:solidFill>
                 <a:latin typeface="Trebuchet MS"/>
                 <a:ea typeface="DejaVu Sans"/>
               </a:rPr>
+              <a:t>两个暴露给事件的核函数提交队列</a:t>
+            </a:r>
+            <a:endParaRPr lang="en-US" spc="-1" dirty="0">
+              <a:solidFill>
+                <a:srgbClr val="4F81BD"/>
+              </a:solidFill>
+              <a:latin typeface="Trebuchet MS"/>
+              <a:ea typeface="DejaVu Sans"/>
+            </a:endParaRPr>
+          </a:p>
+          <a:p>
+            <a:pPr>
+              <a:lnSpc>
+                <a:spcPct val="100000"/>
+              </a:lnSpc>
+            </a:pPr>
+            <a:r>
+              <a:rPr lang="en-US" spc="-1" dirty="0">
+                <a:solidFill>
+                  <a:srgbClr val="4F81BD"/>
+                </a:solidFill>
+                <a:latin typeface="Trebuchet MS"/>
+                <a:ea typeface="DejaVu Sans"/>
+              </a:rPr>
               <a:t>Enqueue two kernels that expose events</a:t>
             </a:r>
-            <a:endParaRPr lang="en-US" spc="-1">
+            <a:endParaRPr lang="en-US" spc="-1" dirty="0">
               <a:latin typeface="Arial"/>
             </a:endParaRPr>
           </a:p>
@@ -11117,8 +11671,8 @@
         </p:nvSpPr>
         <p:spPr>
           <a:xfrm>
-            <a:off x="7255920" y="5870160"/>
-            <a:ext cx="2121840" cy="1186560"/>
+            <a:off x="7255919" y="5870160"/>
+            <a:ext cx="5315159" cy="1186560"/>
           </a:xfrm>
           <a:prstGeom prst="rect">
             <a:avLst/>
@@ -11150,16 +11704,40 @@
               </a:lnSpc>
             </a:pPr>
             <a:r>
-              <a:rPr lang="en-US" spc="-1">
+              <a:rPr lang="zh-CN" altLang="en-US" spc="-1" dirty="0">
                 <a:solidFill>
                   <a:srgbClr val="4F81BD"/>
                 </a:solidFill>
                 <a:latin typeface="Trebuchet MS"/>
                 <a:ea typeface="DejaVu Sans"/>
               </a:rPr>
+              <a:t>等到前面两个事件都完成了再执行</a:t>
+            </a:r>
+            <a:endParaRPr lang="en-US" spc="-1" dirty="0">
+              <a:solidFill>
+                <a:srgbClr val="4F81BD"/>
+              </a:solidFill>
+              <a:latin typeface="Trebuchet MS"/>
+              <a:ea typeface="DejaVu Sans"/>
+            </a:endParaRPr>
+          </a:p>
+          <a:p>
+            <a:pPr>
+              <a:lnSpc>
+                <a:spcPct val="100000"/>
+              </a:lnSpc>
+            </a:pPr>
+            <a:r>
+              <a:rPr lang="en-US" spc="-1" dirty="0">
+                <a:solidFill>
+                  <a:srgbClr val="4F81BD"/>
+                </a:solidFill>
+                <a:latin typeface="Trebuchet MS"/>
+                <a:ea typeface="DejaVu Sans"/>
+              </a:rPr>
               <a:t>Wait to execute until two previous events complete</a:t>
             </a:r>
-            <a:endParaRPr lang="en-US" spc="-1">
+            <a:endParaRPr lang="en-US" spc="-1" dirty="0">
               <a:latin typeface="Arial"/>
             </a:endParaRPr>
           </a:p>
@@ -11273,7 +11851,7 @@
         </p:style>
         <p:txBody>
           <a:bodyPr lIns="90000" tIns="45000" rIns="90000" bIns="45000" anchor="ctr">
-            <a:normAutofit/>
+            <a:normAutofit lnSpcReduction="10000"/>
           </a:bodyPr>
           <a:lstStyle/>
           <a:p>
@@ -11283,15 +11861,103 @@
               </a:lnSpc>
             </a:pPr>
             <a:r>
-              <a:rPr lang="en-US" sz="3600" spc="-1">
-                <a:solidFill>
-                  <a:srgbClr val="000000"/>
-                </a:solidFill>
-                <a:latin typeface="Trebuchet MS"/>
-              </a:rPr>
-              <a:t>OpenCL synchronization: queues &amp; events</a:t>
-            </a:r>
-            <a:endParaRPr lang="en-US" sz="3600" spc="-1">
+              <a:rPr lang="en-US" sz="3600" spc="-1" dirty="0">
+                <a:solidFill>
+                  <a:srgbClr val="000000"/>
+                </a:solidFill>
+                <a:latin typeface="Trebuchet MS"/>
+              </a:rPr>
+              <a:t>OpenCL </a:t>
+            </a:r>
+            <a:r>
+              <a:rPr lang="zh-CN" altLang="en-US" sz="3600" spc="-1" dirty="0">
+                <a:solidFill>
+                  <a:srgbClr val="000000"/>
+                </a:solidFill>
+                <a:latin typeface="Trebuchet MS"/>
+              </a:rPr>
+              <a:t>同步（</a:t>
+            </a:r>
+            <a:r>
+              <a:rPr lang="en-US" altLang="zh-CN" sz="3600" spc="-1" dirty="0">
+                <a:solidFill>
+                  <a:srgbClr val="000000"/>
+                </a:solidFill>
+                <a:latin typeface="Trebuchet MS"/>
+              </a:rPr>
+              <a:t> synchronization </a:t>
+            </a:r>
+            <a:r>
+              <a:rPr lang="zh-CN" altLang="en-US" sz="3600" spc="-1" dirty="0">
+                <a:solidFill>
+                  <a:srgbClr val="000000"/>
+                </a:solidFill>
+                <a:latin typeface="Trebuchet MS"/>
+              </a:rPr>
+              <a:t>）</a:t>
+            </a:r>
+            <a:r>
+              <a:rPr lang="en-US" sz="3600" spc="-1" dirty="0">
+                <a:solidFill>
+                  <a:srgbClr val="000000"/>
+                </a:solidFill>
+                <a:latin typeface="Trebuchet MS"/>
+              </a:rPr>
+              <a:t>:</a:t>
+            </a:r>
+          </a:p>
+          <a:p>
+            <a:pPr algn="ctr">
+              <a:lnSpc>
+                <a:spcPct val="100000"/>
+              </a:lnSpc>
+            </a:pPr>
+            <a:r>
+              <a:rPr lang="zh-CN" altLang="en-US" sz="3600" spc="-1" dirty="0">
+                <a:solidFill>
+                  <a:srgbClr val="000000"/>
+                </a:solidFill>
+                <a:latin typeface="Trebuchet MS"/>
+              </a:rPr>
+              <a:t>队列（</a:t>
+            </a:r>
+            <a:r>
+              <a:rPr lang="en-US" altLang="zh-CN" sz="3600" spc="-1" dirty="0">
+                <a:solidFill>
+                  <a:srgbClr val="000000"/>
+                </a:solidFill>
+                <a:latin typeface="Trebuchet MS"/>
+              </a:rPr>
+              <a:t>queues</a:t>
+            </a:r>
+            <a:r>
+              <a:rPr lang="zh-CN" altLang="en-US" sz="3600" spc="-1" dirty="0">
+                <a:solidFill>
+                  <a:srgbClr val="000000"/>
+                </a:solidFill>
+                <a:latin typeface="Trebuchet MS"/>
+              </a:rPr>
+              <a:t>）和 事件（</a:t>
+            </a:r>
+            <a:r>
+              <a:rPr lang="en-US" altLang="zh-CN" sz="3600" spc="-1" dirty="0">
+                <a:solidFill>
+                  <a:srgbClr val="000000"/>
+                </a:solidFill>
+                <a:latin typeface="Trebuchet MS"/>
+              </a:rPr>
+              <a:t>events</a:t>
+            </a:r>
+            <a:r>
+              <a:rPr lang="zh-CN" altLang="en-US" sz="3600" spc="-1" dirty="0">
+                <a:solidFill>
+                  <a:srgbClr val="000000"/>
+                </a:solidFill>
+                <a:latin typeface="Trebuchet MS"/>
+              </a:rPr>
+              <a:t>）</a:t>
+            </a:r>
+            <a:endParaRPr lang="en-US" sz="3600" spc="-1" dirty="0">
               <a:latin typeface="Arial"/>
             </a:endParaRPr>
           </a:p>
@@ -11345,15 +12011,51 @@
               <a:buChar char="•"/>
             </a:pPr>
             <a:r>
-              <a:rPr lang="en-US" sz="3200" spc="-1">
-                <a:solidFill>
-                  <a:srgbClr val="000000"/>
-                </a:solidFill>
-                <a:latin typeface="Trebuchet MS"/>
-              </a:rPr>
-              <a:t>Events connect command invocations. Can be used to synchronize executions inside out-of-order queues or between queues</a:t>
-            </a:r>
-            <a:endParaRPr lang="en-US" sz="3200" spc="-1">
+              <a:rPr lang="zh-CN" altLang="en-US" sz="3200" spc="-1" dirty="0">
+                <a:solidFill>
+                  <a:srgbClr val="000000"/>
+                </a:solidFill>
+                <a:latin typeface="Trebuchet MS"/>
+              </a:rPr>
+              <a:t>事件将命令调用（</a:t>
+            </a:r>
+            <a:r>
+              <a:rPr lang="en-US" altLang="zh-CN" sz="3200" spc="-1" dirty="0">
+                <a:solidFill>
+                  <a:srgbClr val="000000"/>
+                </a:solidFill>
+                <a:latin typeface="Trebuchet MS"/>
+              </a:rPr>
+              <a:t>command invocation</a:t>
+            </a:r>
+            <a:r>
+              <a:rPr lang="zh-CN" altLang="en-US" sz="3200" spc="-1" dirty="0">
+                <a:solidFill>
+                  <a:srgbClr val="000000"/>
+                </a:solidFill>
+                <a:latin typeface="Trebuchet MS"/>
+              </a:rPr>
+              <a:t>）联系起来。可以用于在无序队列或者队列之间进行执行同步（</a:t>
+            </a:r>
+            <a:r>
+              <a:rPr lang="en-US" altLang="zh-CN" sz="3200" spc="-1" dirty="0">
+                <a:solidFill>
+                  <a:srgbClr val="000000"/>
+                </a:solidFill>
+                <a:latin typeface="Trebuchet MS"/>
+              </a:rPr>
+              <a:t> synchronize executions </a:t>
+            </a:r>
+            <a:r>
+              <a:rPr lang="zh-CN" altLang="en-US" sz="3200" spc="-1" dirty="0">
+                <a:solidFill>
+                  <a:srgbClr val="000000"/>
+                </a:solidFill>
+                <a:latin typeface="Trebuchet MS"/>
+              </a:rPr>
+              <a:t>）</a:t>
+            </a:r>
+            <a:endParaRPr lang="en-US" sz="3200" spc="-1" dirty="0">
               <a:latin typeface="Arial"/>
             </a:endParaRPr>
           </a:p>
@@ -11369,15 +12071,15 @@
               <a:buChar char="•"/>
             </a:pPr>
             <a:r>
-              <a:rPr lang="en-US" sz="3200" spc="-1">
-                <a:solidFill>
-                  <a:srgbClr val="000000"/>
-                </a:solidFill>
-                <a:latin typeface="Trebuchet MS"/>
-              </a:rPr>
-              <a:t>Example: 2 queues with 2 devices</a:t>
-            </a:r>
-            <a:endParaRPr lang="en-US" sz="3200" spc="-1">
+              <a:rPr lang="zh-CN" altLang="en-US" sz="3200" spc="-1" dirty="0">
+                <a:solidFill>
+                  <a:srgbClr val="000000"/>
+                </a:solidFill>
+                <a:latin typeface="Trebuchet MS"/>
+              </a:rPr>
+              <a:t>样例：两个设备的两个队列</a:t>
+            </a:r>
+            <a:endParaRPr lang="en-US" sz="3200" spc="-1" dirty="0">
               <a:latin typeface="Arial"/>
             </a:endParaRPr>
           </a:p>
@@ -11928,7 +12630,7 @@
               </a:lnSpc>
             </a:pPr>
             <a:r>
-              <a:rPr lang="en-US" spc="-1">
+              <a:rPr lang="en-US" spc="-1" dirty="0">
                 <a:solidFill>
                   <a:srgbClr val="FFFFFF"/>
                 </a:solidFill>
@@ -11937,7 +12639,7 @@
               </a:rPr>
               <a:t>Kernel 2</a:t>
             </a:r>
-            <a:endParaRPr lang="en-US" spc="-1">
+            <a:endParaRPr lang="en-US" spc="-1" dirty="0">
               <a:latin typeface="Arial"/>
             </a:endParaRPr>
           </a:p>
@@ -12218,16 +12920,46 @@
               </a:lnSpc>
             </a:pPr>
             <a:r>
-              <a:rPr lang="en-US" sz="1200" spc="-1">
-                <a:solidFill>
-                  <a:srgbClr val="000000"/>
-                </a:solidFill>
-                <a:latin typeface="Trebuchet MS"/>
-                <a:ea typeface="DejaVu Sans"/>
-              </a:rPr>
-              <a:t>Enqueue Kernel 1</a:t>
-            </a:r>
-            <a:endParaRPr lang="en-US" sz="1200" spc="-1">
+              <a:rPr lang="zh-CN" altLang="en-US" sz="1200" spc="-1" dirty="0">
+                <a:solidFill>
+                  <a:srgbClr val="000000"/>
+                </a:solidFill>
+                <a:latin typeface="Trebuchet MS"/>
+                <a:ea typeface="DejaVu Sans"/>
+              </a:rPr>
+              <a:t>核函数</a:t>
+            </a:r>
+            <a:r>
+              <a:rPr lang="en-US" altLang="zh-CN" sz="1200" spc="-1" dirty="0">
+                <a:solidFill>
+                  <a:srgbClr val="000000"/>
+                </a:solidFill>
+                <a:latin typeface="Trebuchet MS"/>
+                <a:ea typeface="DejaVu Sans"/>
+              </a:rPr>
+              <a:t>1</a:t>
+            </a:r>
+            <a:r>
+              <a:rPr lang="zh-CN" altLang="en-US" sz="1200" spc="-1" dirty="0">
+                <a:solidFill>
+                  <a:srgbClr val="000000"/>
+                </a:solidFill>
+                <a:latin typeface="Trebuchet MS"/>
+                <a:ea typeface="DejaVu Sans"/>
+              </a:rPr>
+              <a:t>提交队列</a:t>
+            </a:r>
+            <a:r>
+              <a:rPr lang="en-US" sz="1200" spc="-1" dirty="0">
+                <a:solidFill>
+                  <a:srgbClr val="000000"/>
+                </a:solidFill>
+                <a:latin typeface="Trebuchet MS"/>
+                <a:ea typeface="DejaVu Sans"/>
+              </a:rPr>
+              <a:t> Kernel 1</a:t>
+            </a:r>
+            <a:endParaRPr lang="en-US" sz="1200" spc="-1" dirty="0">
               <a:latin typeface="Arial"/>
             </a:endParaRPr>
           </a:p>
@@ -12274,16 +13006,46 @@
               </a:lnSpc>
             </a:pPr>
             <a:r>
-              <a:rPr lang="en-US" sz="1200" spc="-1">
-                <a:solidFill>
-                  <a:srgbClr val="000000"/>
-                </a:solidFill>
-                <a:latin typeface="Trebuchet MS"/>
-                <a:ea typeface="DejaVu Sans"/>
-              </a:rPr>
-              <a:t>Enqueue Kernel 2</a:t>
-            </a:r>
-            <a:endParaRPr lang="en-US" sz="1200" spc="-1">
+              <a:rPr lang="zh-CN" altLang="en-US" sz="1200" spc="-1" dirty="0">
+                <a:solidFill>
+                  <a:srgbClr val="000000"/>
+                </a:solidFill>
+                <a:latin typeface="Trebuchet MS"/>
+                <a:ea typeface="DejaVu Sans"/>
+              </a:rPr>
+              <a:t>核函数</a:t>
+            </a:r>
+            <a:r>
+              <a:rPr lang="en-US" altLang="zh-CN" sz="1200" spc="-1" dirty="0">
+                <a:solidFill>
+                  <a:srgbClr val="000000"/>
+                </a:solidFill>
+                <a:latin typeface="Trebuchet MS"/>
+                <a:ea typeface="DejaVu Sans"/>
+              </a:rPr>
+              <a:t>2</a:t>
+            </a:r>
+            <a:r>
+              <a:rPr lang="zh-CN" altLang="en-US" sz="1200" spc="-1" dirty="0">
+                <a:solidFill>
+                  <a:srgbClr val="000000"/>
+                </a:solidFill>
+                <a:latin typeface="Trebuchet MS"/>
+                <a:ea typeface="DejaVu Sans"/>
+              </a:rPr>
+              <a:t>提交队列</a:t>
+            </a:r>
+            <a:r>
+              <a:rPr lang="en-US" sz="1200" spc="-1" dirty="0">
+                <a:solidFill>
+                  <a:srgbClr val="000000"/>
+                </a:solidFill>
+                <a:latin typeface="Trebuchet MS"/>
+                <a:ea typeface="DejaVu Sans"/>
+              </a:rPr>
+              <a:t>Kernel 2</a:t>
+            </a:r>
+            <a:endParaRPr lang="en-US" sz="1200" spc="-1" dirty="0">
               <a:latin typeface="Arial"/>
             </a:endParaRPr>
           </a:p>
@@ -12298,7 +13060,7 @@
         <p:spPr>
           <a:xfrm>
             <a:off x="3096840" y="1989000"/>
-            <a:ext cx="2350440" cy="1460880"/>
+            <a:ext cx="2854440" cy="1460880"/>
           </a:xfrm>
           <a:prstGeom prst="rect">
             <a:avLst/>
@@ -12330,16 +13092,80 @@
               </a:lnSpc>
             </a:pPr>
             <a:r>
-              <a:rPr lang="en-US" b="1" spc="-1">
+              <a:rPr lang="zh-CN" altLang="en-US" b="1" spc="-1" dirty="0">
                 <a:solidFill>
                   <a:srgbClr val="4F81BD"/>
                 </a:solidFill>
                 <a:latin typeface="Trebuchet MS"/>
                 <a:ea typeface="DejaVu Sans"/>
               </a:rPr>
+              <a:t>核</a:t>
+            </a:r>
+            <a:r>
+              <a:rPr lang="en-US" altLang="zh-CN" b="1" spc="-1" dirty="0">
+                <a:solidFill>
+                  <a:srgbClr val="4F81BD"/>
+                </a:solidFill>
+                <a:latin typeface="Trebuchet MS"/>
+                <a:ea typeface="DejaVu Sans"/>
+              </a:rPr>
+              <a:t>1</a:t>
+            </a:r>
+            <a:r>
+              <a:rPr lang="zh-CN" altLang="en-US" b="1" spc="-1" dirty="0">
+                <a:solidFill>
+                  <a:srgbClr val="4F81BD"/>
+                </a:solidFill>
+                <a:latin typeface="Trebuchet MS"/>
+                <a:ea typeface="DejaVu Sans"/>
+              </a:rPr>
+              <a:t>就绪之前核</a:t>
+            </a:r>
+            <a:r>
+              <a:rPr lang="en-US" altLang="zh-CN" b="1" spc="-1" dirty="0">
+                <a:solidFill>
+                  <a:srgbClr val="4F81BD"/>
+                </a:solidFill>
+                <a:latin typeface="Trebuchet MS"/>
+                <a:ea typeface="DejaVu Sans"/>
+              </a:rPr>
+              <a:t>2</a:t>
+            </a:r>
+            <a:r>
+              <a:rPr lang="zh-CN" altLang="en-US" b="1" spc="-1" dirty="0">
+                <a:solidFill>
+                  <a:srgbClr val="4F81BD"/>
+                </a:solidFill>
+                <a:latin typeface="Trebuchet MS"/>
+                <a:ea typeface="DejaVu Sans"/>
+              </a:rPr>
+              <a:t>已启动</a:t>
+            </a:r>
+            <a:endParaRPr lang="en-US" altLang="zh-CN" b="1" spc="-1" dirty="0">
+              <a:solidFill>
+                <a:srgbClr val="4F81BD"/>
+              </a:solidFill>
+              <a:latin typeface="Trebuchet MS"/>
+              <a:ea typeface="DejaVu Sans"/>
+            </a:endParaRPr>
+          </a:p>
+          <a:p>
+            <a:pPr>
+              <a:lnSpc>
+                <a:spcPct val="100000"/>
+              </a:lnSpc>
+            </a:pPr>
+            <a:r>
+              <a:rPr lang="en-US" b="1" spc="-1" dirty="0">
+                <a:solidFill>
+                  <a:srgbClr val="4F81BD"/>
+                </a:solidFill>
+                <a:latin typeface="Trebuchet MS"/>
+                <a:ea typeface="DejaVu Sans"/>
+              </a:rPr>
               <a:t>Kernel 2 starts before the results from Kernel 1 are ready</a:t>
             </a:r>
-            <a:endParaRPr lang="en-US" spc="-1">
+            <a:endParaRPr lang="en-US" spc="-1" dirty="0">
               <a:latin typeface="Arial"/>
             </a:endParaRPr>
           </a:p>
@@ -12584,16 +13410,46 @@
               </a:lnSpc>
             </a:pPr>
             <a:r>
-              <a:rPr lang="en-US" sz="1200" spc="-1">
-                <a:solidFill>
-                  <a:srgbClr val="000000"/>
-                </a:solidFill>
-                <a:latin typeface="Trebuchet MS"/>
-                <a:ea typeface="DejaVu Sans"/>
-              </a:rPr>
-              <a:t>Enqueue Kernel 1</a:t>
-            </a:r>
-            <a:endParaRPr lang="en-US" sz="1200" spc="-1">
+              <a:rPr lang="zh-CN" altLang="en-US" sz="1200" spc="-1" dirty="0">
+                <a:solidFill>
+                  <a:srgbClr val="000000"/>
+                </a:solidFill>
+                <a:latin typeface="Trebuchet MS"/>
+                <a:ea typeface="DejaVu Sans"/>
+              </a:rPr>
+              <a:t>核函数</a:t>
+            </a:r>
+            <a:r>
+              <a:rPr lang="en-US" altLang="zh-CN" sz="1200" spc="-1" dirty="0">
+                <a:solidFill>
+                  <a:srgbClr val="000000"/>
+                </a:solidFill>
+                <a:latin typeface="Trebuchet MS"/>
+                <a:ea typeface="DejaVu Sans"/>
+              </a:rPr>
+              <a:t>1</a:t>
+            </a:r>
+            <a:r>
+              <a:rPr lang="zh-CN" altLang="en-US" sz="1200" spc="-1" dirty="0">
+                <a:solidFill>
+                  <a:srgbClr val="000000"/>
+                </a:solidFill>
+                <a:latin typeface="Trebuchet MS"/>
+                <a:ea typeface="DejaVu Sans"/>
+              </a:rPr>
+              <a:t>提交队列</a:t>
+            </a:r>
+            <a:r>
+              <a:rPr lang="en-US" altLang="zh-CN" sz="1200" spc="-1" dirty="0">
+                <a:solidFill>
+                  <a:srgbClr val="000000"/>
+                </a:solidFill>
+                <a:latin typeface="Trebuchet MS"/>
+                <a:ea typeface="DejaVu Sans"/>
+              </a:rPr>
+              <a:t> Kernel 1</a:t>
+            </a:r>
+            <a:endParaRPr lang="en-US" altLang="zh-CN" sz="1200" spc="-1" dirty="0">
               <a:latin typeface="Arial"/>
             </a:endParaRPr>
           </a:p>
@@ -12640,16 +13496,46 @@
               </a:lnSpc>
             </a:pPr>
             <a:r>
-              <a:rPr lang="en-US" sz="1200" spc="-1">
-                <a:solidFill>
-                  <a:srgbClr val="000000"/>
-                </a:solidFill>
-                <a:latin typeface="Trebuchet MS"/>
-                <a:ea typeface="DejaVu Sans"/>
-              </a:rPr>
-              <a:t>Enqueue Kernel 2</a:t>
-            </a:r>
-            <a:endParaRPr lang="en-US" sz="1200" spc="-1">
+              <a:rPr lang="zh-CN" altLang="en-US" sz="1200" spc="-1" dirty="0">
+                <a:solidFill>
+                  <a:srgbClr val="000000"/>
+                </a:solidFill>
+                <a:latin typeface="Trebuchet MS"/>
+                <a:ea typeface="DejaVu Sans"/>
+              </a:rPr>
+              <a:t>核函数</a:t>
+            </a:r>
+            <a:r>
+              <a:rPr lang="en-US" altLang="zh-CN" sz="1200" spc="-1" dirty="0">
+                <a:solidFill>
+                  <a:srgbClr val="000000"/>
+                </a:solidFill>
+                <a:latin typeface="Trebuchet MS"/>
+                <a:ea typeface="DejaVu Sans"/>
+              </a:rPr>
+              <a:t>2</a:t>
+            </a:r>
+            <a:r>
+              <a:rPr lang="zh-CN" altLang="en-US" sz="1200" spc="-1" dirty="0">
+                <a:solidFill>
+                  <a:srgbClr val="000000"/>
+                </a:solidFill>
+                <a:latin typeface="Trebuchet MS"/>
+                <a:ea typeface="DejaVu Sans"/>
+              </a:rPr>
+              <a:t>提交队列</a:t>
+            </a:r>
+            <a:r>
+              <a:rPr lang="en-US" altLang="zh-CN" sz="1200" spc="-1" dirty="0">
+                <a:solidFill>
+                  <a:srgbClr val="000000"/>
+                </a:solidFill>
+                <a:latin typeface="Trebuchet MS"/>
+                <a:ea typeface="DejaVu Sans"/>
+              </a:rPr>
+              <a:t>Kernel 2</a:t>
+            </a:r>
+            <a:endParaRPr lang="en-US" altLang="zh-CN" sz="1200" spc="-1" dirty="0">
               <a:latin typeface="Arial"/>
             </a:endParaRPr>
           </a:p>
@@ -12664,7 +13550,7 @@
         <p:spPr>
           <a:xfrm>
             <a:off x="7884480" y="1989000"/>
-            <a:ext cx="2350440" cy="2009520"/>
+            <a:ext cx="3791520" cy="2009520"/>
           </a:xfrm>
           <a:prstGeom prst="rect">
             <a:avLst/>
@@ -12696,16 +13582,80 @@
               </a:lnSpc>
             </a:pPr>
             <a:r>
-              <a:rPr lang="en-US" b="1" spc="-1">
+              <a:rPr lang="zh-CN" altLang="en-US" b="1" spc="-1" dirty="0">
                 <a:solidFill>
                   <a:srgbClr val="4F81BD"/>
                 </a:solidFill>
                 <a:latin typeface="Trebuchet MS"/>
                 <a:ea typeface="DejaVu Sans"/>
               </a:rPr>
+              <a:t>核</a:t>
+            </a:r>
+            <a:r>
+              <a:rPr lang="en-US" altLang="zh-CN" b="1" spc="-1" dirty="0">
+                <a:solidFill>
+                  <a:srgbClr val="4F81BD"/>
+                </a:solidFill>
+                <a:latin typeface="Trebuchet MS"/>
+                <a:ea typeface="DejaVu Sans"/>
+              </a:rPr>
+              <a:t>2</a:t>
+            </a:r>
+            <a:r>
+              <a:rPr lang="zh-CN" altLang="en-US" b="1" spc="-1" dirty="0">
+                <a:solidFill>
+                  <a:srgbClr val="4F81BD"/>
+                </a:solidFill>
+                <a:latin typeface="Trebuchet MS"/>
+                <a:ea typeface="DejaVu Sans"/>
+              </a:rPr>
+              <a:t>等待核</a:t>
+            </a:r>
+            <a:r>
+              <a:rPr lang="en-US" altLang="zh-CN" b="1" spc="-1" dirty="0">
+                <a:solidFill>
+                  <a:srgbClr val="4F81BD"/>
+                </a:solidFill>
+                <a:latin typeface="Trebuchet MS"/>
+                <a:ea typeface="DejaVu Sans"/>
+              </a:rPr>
+              <a:t>1</a:t>
+            </a:r>
+            <a:r>
+              <a:rPr lang="zh-CN" altLang="en-US" b="1" spc="-1" dirty="0">
+                <a:solidFill>
+                  <a:srgbClr val="4F81BD"/>
+                </a:solidFill>
+                <a:latin typeface="Trebuchet MS"/>
+                <a:ea typeface="DejaVu Sans"/>
+              </a:rPr>
+              <a:t>的事件信号，直到结果就绪后才会启动</a:t>
+            </a:r>
+            <a:endParaRPr lang="en-US" altLang="zh-CN" b="1" spc="-1" dirty="0">
+              <a:solidFill>
+                <a:srgbClr val="4F81BD"/>
+              </a:solidFill>
+              <a:latin typeface="Trebuchet MS"/>
+              <a:ea typeface="DejaVu Sans"/>
+            </a:endParaRPr>
+          </a:p>
+          <a:p>
+            <a:pPr>
+              <a:lnSpc>
+                <a:spcPct val="100000"/>
+              </a:lnSpc>
+            </a:pPr>
+            <a:r>
+              <a:rPr lang="en-US" b="1" spc="-1" dirty="0">
+                <a:solidFill>
+                  <a:srgbClr val="4F81BD"/>
+                </a:solidFill>
+                <a:latin typeface="Trebuchet MS"/>
+                <a:ea typeface="DejaVu Sans"/>
+              </a:rPr>
               <a:t>Kernel 2 waits for an event from Kernel 1 and does not start until the results are ready</a:t>
             </a:r>
-            <a:endParaRPr lang="en-US" spc="-1">
+            <a:endParaRPr lang="en-US" spc="-1" dirty="0">
               <a:latin typeface="Arial"/>
             </a:endParaRPr>
           </a:p>
@@ -13442,7 +14392,7 @@
         </p:nvSpPr>
         <p:spPr>
           <a:xfrm>
-            <a:off x="1981200" y="-171360"/>
+            <a:off x="1981560" y="-131940"/>
             <a:ext cx="8228880" cy="1142280"/>
           </a:xfrm>
           <a:prstGeom prst="rect">
@@ -13477,15 +14427,85 @@
               </a:lnSpc>
             </a:pPr>
             <a:r>
-              <a:rPr lang="en-US" sz="4400" spc="-1">
-                <a:solidFill>
-                  <a:srgbClr val="000000"/>
-                </a:solidFill>
-                <a:latin typeface="Trebuchet MS"/>
-              </a:rPr>
-              <a:t>Why Events? Won’t a barrier do?</a:t>
-            </a:r>
-            <a:endParaRPr lang="en-US" sz="4400" spc="-1">
+              <a:rPr lang="zh-CN" altLang="en-US" sz="2600" spc="-1" dirty="0">
+                <a:solidFill>
+                  <a:srgbClr val="000000"/>
+                </a:solidFill>
+                <a:latin typeface="Trebuchet MS"/>
+              </a:rPr>
+              <a:t>为啥使用事件（</a:t>
+            </a:r>
+            <a:r>
+              <a:rPr lang="en-US" altLang="zh-CN" sz="2600" spc="-1" dirty="0">
+                <a:solidFill>
+                  <a:srgbClr val="000000"/>
+                </a:solidFill>
+                <a:latin typeface="Trebuchet MS"/>
+              </a:rPr>
+              <a:t>Event</a:t>
+            </a:r>
+            <a:r>
+              <a:rPr lang="zh-CN" altLang="en-US" sz="2600" spc="-1" dirty="0">
+                <a:solidFill>
+                  <a:srgbClr val="000000"/>
+                </a:solidFill>
+                <a:latin typeface="Trebuchet MS"/>
+              </a:rPr>
+              <a:t>）</a:t>
+            </a:r>
+            <a:r>
+              <a:rPr lang="en-US" sz="2600" spc="-1" dirty="0">
+                <a:solidFill>
+                  <a:srgbClr val="000000"/>
+                </a:solidFill>
+                <a:latin typeface="Trebuchet MS"/>
+              </a:rPr>
+              <a:t>?</a:t>
+            </a:r>
+          </a:p>
+          <a:p>
+            <a:pPr algn="ctr">
+              <a:lnSpc>
+                <a:spcPct val="100000"/>
+              </a:lnSpc>
+            </a:pPr>
+            <a:r>
+              <a:rPr lang="zh-CN" altLang="en-US" sz="2600" spc="-1" dirty="0">
+                <a:solidFill>
+                  <a:srgbClr val="000000"/>
+                </a:solidFill>
+                <a:latin typeface="Trebuchet MS"/>
+              </a:rPr>
+              <a:t>为啥不使用内存屏障（</a:t>
+            </a:r>
+            <a:r>
+              <a:rPr lang="en-US" altLang="zh-CN" sz="2600" spc="-1" dirty="0">
+                <a:solidFill>
+                  <a:srgbClr val="000000"/>
+                </a:solidFill>
+                <a:latin typeface="Trebuchet MS"/>
+              </a:rPr>
+              <a:t>barrier</a:t>
+            </a:r>
+            <a:r>
+              <a:rPr lang="zh-CN" altLang="en-US" sz="2600" spc="-1" dirty="0">
+                <a:solidFill>
+                  <a:srgbClr val="000000"/>
+                </a:solidFill>
+                <a:latin typeface="Trebuchet MS"/>
+              </a:rPr>
+              <a:t>）</a:t>
+            </a:r>
+            <a:r>
+              <a:rPr lang="en-US" sz="2600" spc="-1" dirty="0">
+                <a:solidFill>
+                  <a:srgbClr val="000000"/>
+                </a:solidFill>
+                <a:latin typeface="Trebuchet MS"/>
+              </a:rPr>
+              <a:t>?</a:t>
+            </a:r>
+            <a:endParaRPr lang="en-US" sz="2600" spc="-1" dirty="0">
               <a:latin typeface="Arial"/>
             </a:endParaRPr>
           </a:p>
@@ -13524,7 +14544,7 @@
         </p:style>
         <p:txBody>
           <a:bodyPr lIns="90000" tIns="45000" rIns="90000" bIns="45000">
-            <a:normAutofit fontScale="92500" lnSpcReduction="20000"/>
+            <a:normAutofit fontScale="92500" lnSpcReduction="10000"/>
           </a:bodyPr>
           <a:lstStyle/>
           <a:p>
@@ -13539,15 +14559,69 @@
               <a:buChar char="•"/>
             </a:pPr>
             <a:r>
-              <a:rPr lang="en-US" sz="2800" spc="-1">
-                <a:solidFill>
-                  <a:srgbClr val="000000"/>
-                </a:solidFill>
-                <a:latin typeface="Trebuchet MS"/>
-              </a:rPr>
-              <a:t>A barrier defines a synchronization point … commands following a barrier wait to execute until all prior enqueued commands complete</a:t>
-            </a:r>
-            <a:endParaRPr lang="en-US" sz="2800" spc="-1">
+              <a:rPr lang="zh-CN" altLang="en-US" sz="2800" spc="-1" dirty="0">
+                <a:solidFill>
+                  <a:srgbClr val="000000"/>
+                </a:solidFill>
+                <a:latin typeface="Trebuchet MS"/>
+              </a:rPr>
+              <a:t>内存屏障（</a:t>
+            </a:r>
+            <a:r>
+              <a:rPr lang="en-US" altLang="zh-CN" sz="2800" spc="-1" dirty="0">
+                <a:solidFill>
+                  <a:srgbClr val="000000"/>
+                </a:solidFill>
+                <a:latin typeface="Trebuchet MS"/>
+              </a:rPr>
+              <a:t>barrier</a:t>
+            </a:r>
+            <a:r>
+              <a:rPr lang="zh-CN" altLang="en-US" sz="2800" spc="-1" dirty="0">
+                <a:solidFill>
+                  <a:srgbClr val="000000"/>
+                </a:solidFill>
+                <a:latin typeface="Trebuchet MS"/>
+              </a:rPr>
+              <a:t>）定义了一个同步点（</a:t>
+            </a:r>
+            <a:r>
+              <a:rPr lang="en-US" altLang="zh-CN" sz="2800" spc="-1" dirty="0">
+                <a:solidFill>
+                  <a:srgbClr val="000000"/>
+                </a:solidFill>
+                <a:latin typeface="Trebuchet MS"/>
+              </a:rPr>
+              <a:t> synchronization point </a:t>
+            </a:r>
+            <a:r>
+              <a:rPr lang="zh-CN" altLang="en-US" sz="2800" spc="-1" dirty="0">
+                <a:solidFill>
+                  <a:srgbClr val="000000"/>
+                </a:solidFill>
+                <a:latin typeface="Trebuchet MS"/>
+              </a:rPr>
+              <a:t>）</a:t>
+            </a:r>
+            <a:r>
+              <a:rPr lang="en-US" sz="2800" spc="-1" dirty="0">
+                <a:solidFill>
+                  <a:srgbClr val="000000"/>
+                </a:solidFill>
+                <a:latin typeface="Trebuchet MS"/>
+              </a:rPr>
+              <a:t> … </a:t>
+            </a:r>
+            <a:r>
+              <a:rPr lang="zh-CN" altLang="en-US" sz="2800" spc="-1" dirty="0">
+                <a:solidFill>
+                  <a:srgbClr val="000000"/>
+                </a:solidFill>
+                <a:latin typeface="Trebuchet MS"/>
+              </a:rPr>
+              <a:t>达到屏障的命令会等待所有优先队列的命令都执行完毕了再继续执行</a:t>
+            </a:r>
+            <a:endParaRPr lang="en-US" sz="2800" spc="-1" dirty="0">
               <a:latin typeface="Arial"/>
             </a:endParaRPr>
           </a:p>
@@ -13558,7 +14632,7 @@
               </a:spcBef>
             </a:pPr>
             <a:r>
-              <a:rPr lang="en-US" sz="1900" b="1" spc="-1">
+              <a:rPr lang="en-US" sz="1900" b="1" spc="-1" dirty="0" err="1">
                 <a:solidFill>
                   <a:srgbClr val="9BBB59"/>
                 </a:solidFill>
@@ -13567,7 +14641,7 @@
               <a:t>cl_int</a:t>
             </a:r>
             <a:r>
-              <a:rPr lang="en-US" sz="1900" b="1" spc="-1">
+              <a:rPr lang="en-US" sz="1900" b="1" spc="-1" dirty="0">
                 <a:solidFill>
                   <a:srgbClr val="000000"/>
                 </a:solidFill>
@@ -13576,7 +14650,7 @@
               <a:t> </a:t>
             </a:r>
             <a:r>
-              <a:rPr lang="en-US" sz="1900" b="1" spc="-1">
+              <a:rPr lang="en-US" sz="1900" b="1" spc="-1" dirty="0" err="1">
                 <a:solidFill>
                   <a:srgbClr val="17375E"/>
                 </a:solidFill>
@@ -13585,7 +14659,7 @@
               <a:t>clEnqueueBarrier</a:t>
             </a:r>
             <a:r>
-              <a:rPr lang="en-US" sz="1900" b="1" spc="-1">
+              <a:rPr lang="en-US" sz="1900" b="1" spc="-1" dirty="0">
                 <a:solidFill>
                   <a:srgbClr val="000000"/>
                 </a:solidFill>
@@ -13594,7 +14668,7 @@
               <a:t>(</a:t>
             </a:r>
             <a:r>
-              <a:rPr lang="en-US" sz="1900" b="1" spc="-1">
+              <a:rPr lang="en-US" sz="1900" b="1" spc="-1" dirty="0" err="1">
                 <a:solidFill>
                   <a:srgbClr val="9BBB59"/>
                 </a:solidFill>
@@ -13603,7 +14677,7 @@
               <a:t>cl_command_queue</a:t>
             </a:r>
             <a:r>
-              <a:rPr lang="en-US" sz="1900" b="1" spc="-1">
+              <a:rPr lang="en-US" sz="1900" b="1" spc="-1" dirty="0">
                 <a:solidFill>
                   <a:srgbClr val="000000"/>
                 </a:solidFill>
@@ -13611,7 +14685,7 @@
               </a:rPr>
               <a:t> queue)</a:t>
             </a:r>
-            <a:endParaRPr lang="en-US" sz="1900" spc="-1">
+            <a:endParaRPr lang="en-US" sz="1900" spc="-1" dirty="0">
               <a:latin typeface="Arial"/>
             </a:endParaRPr>
           </a:p>
@@ -13627,33 +14701,69 @@
               <a:buChar char="•"/>
             </a:pPr>
             <a:r>
-              <a:rPr lang="en-US" sz="2800" spc="-1">
-                <a:solidFill>
-                  <a:srgbClr val="000000"/>
-                </a:solidFill>
-                <a:latin typeface="Trebuchet MS"/>
-              </a:rPr>
-              <a:t>Events provide </a:t>
-            </a:r>
-            <a:r>
-              <a:rPr lang="en-US" sz="2800" spc="-1">
+              <a:rPr lang="zh-CN" altLang="en-US" sz="2800" spc="-1" dirty="0">
+                <a:solidFill>
+                  <a:srgbClr val="000000"/>
+                </a:solidFill>
+                <a:latin typeface="Trebuchet MS"/>
+              </a:rPr>
+              <a:t>事件（</a:t>
+            </a:r>
+            <a:r>
+              <a:rPr lang="en-US" altLang="zh-CN" sz="2800" spc="-1" dirty="0">
+                <a:solidFill>
+                  <a:srgbClr val="000000"/>
+                </a:solidFill>
+                <a:latin typeface="Trebuchet MS"/>
+              </a:rPr>
+              <a:t>events</a:t>
+            </a:r>
+            <a:r>
+              <a:rPr lang="zh-CN" altLang="en-US" sz="2800" spc="-1" dirty="0">
+                <a:solidFill>
+                  <a:srgbClr val="000000"/>
+                </a:solidFill>
+                <a:latin typeface="Trebuchet MS"/>
+              </a:rPr>
+              <a:t>）提供了</a:t>
+            </a:r>
+            <a:r>
+              <a:rPr lang="zh-CN" altLang="en-US" sz="2800" spc="-1" dirty="0">
                 <a:solidFill>
                   <a:srgbClr val="4F81BD"/>
                 </a:solidFill>
                 <a:latin typeface="Trebuchet MS"/>
               </a:rPr>
-              <a:t>fine grained control </a:t>
-            </a:r>
-            <a:r>
-              <a:rPr lang="en-US" sz="2800" spc="-1">
-                <a:solidFill>
-                  <a:srgbClr val="000000"/>
-                </a:solidFill>
-                <a:latin typeface="Trebuchet MS"/>
-              </a:rPr>
-              <a:t>… this can really matter with an out-of-order queue.</a:t>
-            </a:r>
-            <a:endParaRPr lang="en-US" sz="2800" spc="-1">
+              <a:t>更精细粒度的控制</a:t>
+            </a:r>
+            <a:r>
+              <a:rPr lang="en-US" sz="2800" spc="-1" dirty="0">
+                <a:solidFill>
+                  <a:srgbClr val="4F81BD"/>
+                </a:solidFill>
+                <a:latin typeface="Trebuchet MS"/>
+              </a:rPr>
+              <a:t> </a:t>
+            </a:r>
+            <a:r>
+              <a:rPr lang="en-US" sz="2800" spc="-1" dirty="0">
+                <a:solidFill>
+                  <a:srgbClr val="000000"/>
+                </a:solidFill>
+                <a:latin typeface="Trebuchet MS"/>
+              </a:rPr>
+              <a:t>… </a:t>
+            </a:r>
+            <a:r>
+              <a:rPr lang="zh-CN" altLang="en-US" sz="2800" spc="-1" dirty="0">
+                <a:solidFill>
+                  <a:srgbClr val="000000"/>
+                </a:solidFill>
+                <a:latin typeface="Trebuchet MS"/>
+              </a:rPr>
+              <a:t>这在无序队列的情况下很有用</a:t>
+            </a:r>
+            <a:endParaRPr lang="en-US" sz="2800" spc="-1" dirty="0">
               <a:latin typeface="Arial"/>
             </a:endParaRPr>
           </a:p>
@@ -13669,43 +14779,64 @@
               <a:buChar char="•"/>
             </a:pPr>
             <a:r>
-              <a:rPr lang="en-US" sz="2800" spc="-1">
-                <a:solidFill>
-                  <a:srgbClr val="000000"/>
-                </a:solidFill>
-                <a:latin typeface="Trebuchet MS"/>
-              </a:rPr>
-              <a:t>Events work between commands in the </a:t>
-            </a:r>
-            <a:r>
-              <a:rPr lang="en-US" sz="2800" spc="-1">
+              <a:rPr lang="zh-CN" altLang="en-US" sz="2800" spc="-1" dirty="0">
+                <a:solidFill>
+                  <a:srgbClr val="000000"/>
+                </a:solidFill>
+                <a:latin typeface="Trebuchet MS"/>
+              </a:rPr>
+              <a:t>另外，事件还可以用在</a:t>
+            </a:r>
+            <a:r>
+              <a:rPr lang="zh-CN" altLang="en-US" sz="2800" spc="-1" dirty="0">
                 <a:solidFill>
                   <a:srgbClr val="4F81BD"/>
                 </a:solidFill>
                 <a:latin typeface="Trebuchet MS"/>
               </a:rPr>
-              <a:t>different queues </a:t>
-            </a:r>
-            <a:r>
-              <a:rPr lang="en-US" sz="2800" spc="-1">
-                <a:solidFill>
-                  <a:srgbClr val="000000"/>
-                </a:solidFill>
-                <a:latin typeface="Trebuchet MS"/>
-              </a:rPr>
-              <a:t>… as long as they </a:t>
-            </a:r>
-            <a:r>
-              <a:rPr lang="en-US" sz="2800" spc="-1">
+              <a:t>不同队列</a:t>
+            </a:r>
+            <a:r>
+              <a:rPr lang="zh-CN" altLang="en-US" sz="2800" spc="-1" dirty="0">
+                <a:solidFill>
+                  <a:srgbClr val="000000"/>
+                </a:solidFill>
+                <a:latin typeface="Trebuchet MS"/>
+              </a:rPr>
+              <a:t>的命令</a:t>
+            </a:r>
+            <a:r>
+              <a:rPr lang="en-US" sz="2800" spc="-1" dirty="0">
+                <a:solidFill>
+                  <a:srgbClr val="000000"/>
+                </a:solidFill>
+                <a:latin typeface="Trebuchet MS"/>
+              </a:rPr>
+              <a:t>… </a:t>
+            </a:r>
+            <a:r>
+              <a:rPr lang="zh-CN" altLang="en-US" sz="2800" spc="-1" dirty="0">
+                <a:solidFill>
+                  <a:srgbClr val="000000"/>
+                </a:solidFill>
+                <a:latin typeface="Trebuchet MS"/>
+              </a:rPr>
+              <a:t>只需要</a:t>
+            </a:r>
+            <a:r>
+              <a:rPr lang="zh-CN" altLang="en-US" sz="2800" spc="-1" dirty="0">
                 <a:solidFill>
                   <a:srgbClr val="C0504D"/>
                 </a:solidFill>
                 <a:latin typeface="Trebuchet MS"/>
               </a:rPr>
-              <a:t>share a context</a:t>
-            </a:r>
-            <a:endParaRPr lang="en-US" sz="2800" spc="-1">
-              <a:latin typeface="Arial"/>
+              <a:t>共享一个上下文环境</a:t>
+            </a:r>
+            <a:endParaRPr lang="en-US" altLang="zh-CN" sz="2800" spc="-1" dirty="0">
+              <a:solidFill>
+                <a:srgbClr val="C0504D"/>
+              </a:solidFill>
+              <a:latin typeface="Trebuchet MS"/>
             </a:endParaRPr>
           </a:p>
           <a:p>
@@ -13720,15 +14851,33 @@
               <a:buChar char="•"/>
             </a:pPr>
             <a:r>
-              <a:rPr lang="en-US" sz="2800" spc="-1">
-                <a:solidFill>
-                  <a:srgbClr val="000000"/>
-                </a:solidFill>
-                <a:latin typeface="Trebuchet MS"/>
-              </a:rPr>
-              <a:t>Events convey more information than a barrier … provide info on state of a command, not just whether it’s complete or not.</a:t>
-            </a:r>
-            <a:endParaRPr lang="en-US" sz="2800" spc="-1">
+              <a:rPr lang="zh-CN" altLang="en-US" sz="2800" spc="-1" dirty="0">
+                <a:solidFill>
+                  <a:srgbClr val="000000"/>
+                </a:solidFill>
+                <a:latin typeface="Trebuchet MS"/>
+              </a:rPr>
+              <a:t>事件比内存屏障传递更多的信息</a:t>
+            </a:r>
+            <a:r>
+              <a:rPr lang="en-US" sz="2800" spc="-1" dirty="0">
+                <a:solidFill>
+                  <a:srgbClr val="000000"/>
+                </a:solidFill>
+                <a:latin typeface="Trebuchet MS"/>
+              </a:rPr>
+              <a:t> … </a:t>
+            </a:r>
+            <a:r>
+              <a:rPr lang="zh-CN" altLang="en-US" sz="2800" spc="-1" dirty="0">
+                <a:solidFill>
+                  <a:srgbClr val="000000"/>
+                </a:solidFill>
+                <a:latin typeface="Trebuchet MS"/>
+              </a:rPr>
+              <a:t>提供了命令状态信息，而不仅仅是只看命令是否完成</a:t>
+            </a:r>
+            <a:endParaRPr lang="en-US" sz="2800" spc="-1" dirty="0">
               <a:latin typeface="Arial"/>
             </a:endParaRPr>
           </a:p>
@@ -13843,7 +14992,7 @@
           </p:nvSpPr>
           <p:spPr>
             <a:xfrm>
-              <a:off x="6348960" y="4624920"/>
+              <a:off x="6347340" y="4502328"/>
               <a:ext cx="647640" cy="250200"/>
             </a:xfrm>
             <a:prstGeom prst="rect">
@@ -13876,7 +15025,31 @@
                 </a:lnSpc>
               </a:pPr>
               <a:r>
-                <a:rPr lang="en-US" sz="1600" b="1" spc="-1">
+                <a:rPr lang="zh-CN" altLang="en-US" sz="1600" b="1" spc="-1" dirty="0">
+                  <a:solidFill>
+                    <a:srgbClr val="003434"/>
+                  </a:solidFill>
+                  <a:latin typeface="Arial Narrow"/>
+                  <a:ea typeface="ヒラギノ角ゴ ProN W3"/>
+                </a:rPr>
+                <a:t>队列</a:t>
+              </a:r>
+              <a:endParaRPr lang="en-US" altLang="zh-CN" sz="1600" b="1" spc="-1" dirty="0">
+                <a:solidFill>
+                  <a:srgbClr val="003434"/>
+                </a:solidFill>
+                <a:latin typeface="Arial Narrow"/>
+                <a:ea typeface="ヒラギノ角ゴ ProN W3"/>
+              </a:endParaRPr>
+            </a:p>
+            <a:p>
+              <a:pPr marL="36360" algn="ctr">
+                <a:lnSpc>
+                  <a:spcPct val="99000"/>
+                </a:lnSpc>
+              </a:pPr>
+              <a:r>
+                <a:rPr lang="en-US" sz="1600" b="1" spc="-1" dirty="0">
                   <a:solidFill>
                     <a:srgbClr val="003434"/>
                   </a:solidFill>
@@ -13885,7 +15058,7 @@
                 </a:rPr>
                 <a:t>Queue</a:t>
               </a:r>
-              <a:endParaRPr lang="en-US" sz="1600" spc="-1">
+              <a:endParaRPr lang="en-US" sz="1600" spc="-1" dirty="0">
                 <a:latin typeface="Arial"/>
               </a:endParaRPr>
             </a:p>
@@ -13899,7 +15072,7 @@
           </p:nvSpPr>
           <p:spPr>
             <a:xfrm>
-              <a:off x="7985520" y="4624920"/>
+              <a:off x="8004600" y="4477308"/>
               <a:ext cx="647640" cy="250200"/>
             </a:xfrm>
             <a:prstGeom prst="rect">
@@ -13932,7 +15105,31 @@
                 </a:lnSpc>
               </a:pPr>
               <a:r>
-                <a:rPr lang="en-US" sz="1600" b="1" spc="-1">
+                <a:rPr lang="zh-CN" altLang="en-US" sz="1600" b="1" spc="-1" dirty="0">
+                  <a:solidFill>
+                    <a:srgbClr val="003434"/>
+                  </a:solidFill>
+                  <a:latin typeface="Arial Narrow"/>
+                  <a:ea typeface="ヒラギノ角ゴ ProN W3"/>
+                </a:rPr>
+                <a:t>队列</a:t>
+              </a:r>
+              <a:endParaRPr lang="en-US" altLang="zh-CN" sz="1600" b="1" spc="-1" dirty="0">
+                <a:solidFill>
+                  <a:srgbClr val="003434"/>
+                </a:solidFill>
+                <a:latin typeface="Arial Narrow"/>
+                <a:ea typeface="ヒラギノ角ゴ ProN W3"/>
+              </a:endParaRPr>
+            </a:p>
+            <a:p>
+              <a:pPr marL="36360" algn="ctr">
+                <a:lnSpc>
+                  <a:spcPct val="99000"/>
+                </a:lnSpc>
+              </a:pPr>
+              <a:r>
+                <a:rPr lang="en-US" sz="1600" b="1" spc="-1" dirty="0">
                   <a:solidFill>
                     <a:srgbClr val="003434"/>
                   </a:solidFill>
@@ -13941,7 +15138,7 @@
                 </a:rPr>
                 <a:t>Queue</a:t>
               </a:r>
-              <a:endParaRPr lang="en-US" sz="1600" spc="-1">
+              <a:endParaRPr lang="en-US" sz="1600" spc="-1" dirty="0">
                 <a:latin typeface="Arial"/>
               </a:endParaRPr>
             </a:p>
@@ -13955,7 +15152,7 @@
           </p:nvSpPr>
           <p:spPr>
             <a:xfrm>
-              <a:off x="7057440" y="6093000"/>
+              <a:off x="7074884" y="5849466"/>
               <a:ext cx="896400" cy="325800"/>
             </a:xfrm>
             <a:prstGeom prst="rect">
@@ -13988,7 +15185,31 @@
                 </a:lnSpc>
               </a:pPr>
               <a:r>
-                <a:rPr lang="en-US" b="1" spc="-1">
+                <a:rPr lang="zh-CN" altLang="en-US" b="1" spc="-1" dirty="0">
+                  <a:solidFill>
+                    <a:srgbClr val="000000"/>
+                  </a:solidFill>
+                  <a:latin typeface="Arial Narrow"/>
+                  <a:ea typeface="ヒラギノ角ゴ ProN W3"/>
+                </a:rPr>
+                <a:t>上下文</a:t>
+              </a:r>
+              <a:endParaRPr lang="en-US" altLang="zh-CN" b="1" spc="-1" dirty="0">
+                <a:solidFill>
+                  <a:srgbClr val="000000"/>
+                </a:solidFill>
+                <a:latin typeface="Arial Narrow"/>
+                <a:ea typeface="ヒラギノ角ゴ ProN W3"/>
+              </a:endParaRPr>
+            </a:p>
+            <a:p>
+              <a:pPr marL="36360" algn="ctr">
+                <a:lnSpc>
+                  <a:spcPct val="99000"/>
+                </a:lnSpc>
+              </a:pPr>
+              <a:r>
+                <a:rPr lang="en-US" b="1" spc="-1" dirty="0">
                   <a:solidFill>
                     <a:srgbClr val="000000"/>
                   </a:solidFill>
@@ -13997,7 +15218,7 @@
                 </a:rPr>
                 <a:t>Context</a:t>
               </a:r>
-              <a:endParaRPr lang="en-US" spc="-1">
+              <a:endParaRPr lang="en-US" spc="-1" dirty="0">
                 <a:latin typeface="Arial"/>
               </a:endParaRPr>
             </a:p>
@@ -14336,7 +15557,7 @@
         </p:nvSpPr>
         <p:spPr>
           <a:xfrm>
-            <a:off x="8581440" y="4996080"/>
+            <a:off x="8594220" y="4884294"/>
             <a:ext cx="896400" cy="325800"/>
           </a:xfrm>
           <a:prstGeom prst="rect">
@@ -14369,16 +15590,40 @@
               </a:lnSpc>
             </a:pPr>
             <a:r>
-              <a:rPr lang="en-US" b="1" spc="-1">
+              <a:rPr lang="zh-CN" altLang="en-US" b="1" spc="-1" dirty="0">
                 <a:solidFill>
                   <a:srgbClr val="000000"/>
                 </a:solidFill>
                 <a:latin typeface="Arial Narrow"/>
                 <a:ea typeface="ヒラギノ角ゴ ProN W3"/>
               </a:rPr>
+              <a:t>事件</a:t>
+            </a:r>
+            <a:endParaRPr lang="en-US" altLang="zh-CN" b="1" spc="-1" dirty="0">
+              <a:solidFill>
+                <a:srgbClr val="000000"/>
+              </a:solidFill>
+              <a:latin typeface="Arial Narrow"/>
+              <a:ea typeface="ヒラギノ角ゴ ProN W3"/>
+            </a:endParaRPr>
+          </a:p>
+          <a:p>
+            <a:pPr marL="36360" algn="ctr">
+              <a:lnSpc>
+                <a:spcPct val="99000"/>
+              </a:lnSpc>
+            </a:pPr>
+            <a:r>
+              <a:rPr lang="en-US" b="1" spc="-1" dirty="0">
+                <a:solidFill>
+                  <a:srgbClr val="000000"/>
+                </a:solidFill>
+                <a:latin typeface="Arial Narrow"/>
+                <a:ea typeface="ヒラギノ角ゴ ProN W3"/>
+              </a:rPr>
               <a:t>Event</a:t>
             </a:r>
-            <a:endParaRPr lang="en-US" spc="-1">
+            <a:endParaRPr lang="en-US" spc="-1" dirty="0">
               <a:latin typeface="Arial"/>
             </a:endParaRPr>
           </a:p>
@@ -14456,8 +15701,8 @@
         </p:nvSpPr>
         <p:spPr>
           <a:xfrm>
-            <a:off x="1524000" y="-315360"/>
-            <a:ext cx="9143280" cy="1142280"/>
+            <a:off x="1276373" y="-333720"/>
+            <a:ext cx="10006453" cy="1142280"/>
           </a:xfrm>
           <a:prstGeom prst="rect">
             <a:avLst/>
@@ -14489,15 +15734,87 @@
               </a:lnSpc>
             </a:pPr>
             <a:r>
-              <a:rPr lang="en-US" sz="2400" spc="-1">
-                <a:solidFill>
-                  <a:srgbClr val="000000"/>
-                </a:solidFill>
-                <a:latin typeface="Trebuchet MS"/>
-              </a:rPr>
-              <a:t>Barriers between queues: clEnqueueBarrier doesn’t work</a:t>
-            </a:r>
-            <a:endParaRPr lang="en-US" sz="2400" spc="-1">
+              <a:rPr lang="zh-CN" altLang="en-US" sz="2400" spc="-1" dirty="0">
+                <a:solidFill>
+                  <a:srgbClr val="000000"/>
+                </a:solidFill>
+                <a:latin typeface="Trebuchet MS"/>
+              </a:rPr>
+              <a:t>队列（</a:t>
+            </a:r>
+            <a:r>
+              <a:rPr lang="en-US" altLang="zh-CN" sz="2400" spc="-1" dirty="0">
+                <a:solidFill>
+                  <a:srgbClr val="000000"/>
+                </a:solidFill>
+                <a:latin typeface="Trebuchet MS"/>
+              </a:rPr>
+              <a:t>queue</a:t>
+            </a:r>
+            <a:r>
+              <a:rPr lang="zh-CN" altLang="en-US" sz="2400" spc="-1" dirty="0">
+                <a:solidFill>
+                  <a:srgbClr val="000000"/>
+                </a:solidFill>
+                <a:latin typeface="Trebuchet MS"/>
+              </a:rPr>
+              <a:t>）之间的内存屏障（</a:t>
+            </a:r>
+            <a:r>
+              <a:rPr lang="en-US" altLang="zh-CN" sz="2400" spc="-1" dirty="0">
+                <a:solidFill>
+                  <a:srgbClr val="000000"/>
+                </a:solidFill>
+                <a:latin typeface="Trebuchet MS"/>
+              </a:rPr>
+              <a:t>barrier</a:t>
+            </a:r>
+            <a:r>
+              <a:rPr lang="zh-CN" altLang="en-US" sz="2400" spc="-1" dirty="0">
+                <a:solidFill>
+                  <a:srgbClr val="000000"/>
+                </a:solidFill>
+                <a:latin typeface="Trebuchet MS"/>
+              </a:rPr>
+              <a:t>）</a:t>
+            </a:r>
+            <a:r>
+              <a:rPr lang="en-US" sz="2400" spc="-1" dirty="0">
+                <a:solidFill>
+                  <a:srgbClr val="000000"/>
+                </a:solidFill>
+                <a:latin typeface="Trebuchet MS"/>
+              </a:rPr>
+              <a:t>: </a:t>
+            </a:r>
+            <a:r>
+              <a:rPr lang="en-US" sz="2400" spc="-1" dirty="0" err="1">
+                <a:solidFill>
+                  <a:srgbClr val="000000"/>
+                </a:solidFill>
+                <a:latin typeface="Trebuchet MS"/>
+              </a:rPr>
+              <a:t>clEnqueueBarrier</a:t>
+            </a:r>
+            <a:r>
+              <a:rPr lang="en-US" sz="2400" spc="-1" dirty="0">
+                <a:solidFill>
+                  <a:srgbClr val="000000"/>
+                </a:solidFill>
+                <a:latin typeface="Trebuchet MS"/>
+              </a:rPr>
+              <a:t> </a:t>
+            </a:r>
+            <a:r>
+              <a:rPr lang="zh-CN" altLang="en-US" sz="2400" spc="-1" dirty="0">
+                <a:solidFill>
+                  <a:srgbClr val="000000"/>
+                </a:solidFill>
+                <a:latin typeface="Trebuchet MS"/>
+              </a:rPr>
+              <a:t>不管用</a:t>
+            </a:r>
+            <a:endParaRPr lang="en-US" sz="2400" spc="-1" dirty="0">
               <a:latin typeface="Arial"/>
             </a:endParaRPr>
           </a:p>
@@ -14511,7 +15828,7 @@
         </p:nvSpPr>
         <p:spPr>
           <a:xfrm>
-            <a:off x="6600000" y="874440"/>
+            <a:off x="6600000" y="954000"/>
             <a:ext cx="3666240" cy="5839920"/>
           </a:xfrm>
           <a:prstGeom prst="downArrow">
@@ -14962,7 +16279,7 @@
         </p:nvSpPr>
         <p:spPr>
           <a:xfrm>
-            <a:off x="2588160" y="570600"/>
+            <a:off x="2597880" y="472680"/>
             <a:ext cx="2515320" cy="364320"/>
           </a:xfrm>
           <a:prstGeom prst="rect">
@@ -14989,13 +16306,13 @@
           <a:bodyPr wrap="none" lIns="90000" tIns="45000" rIns="90000" bIns="45000"/>
           <a:lstStyle/>
           <a:p>
-            <a:pPr>
+            <a:pPr algn="ctr">
               <a:lnSpc>
                 <a:spcPct val="100000"/>
               </a:lnSpc>
             </a:pPr>
             <a:r>
-              <a:rPr lang="en-US" spc="-1">
+              <a:rPr lang="en-US" sz="1400" spc="-1" dirty="0">
                 <a:solidFill>
                   <a:srgbClr val="000000"/>
                 </a:solidFill>
@@ -15005,7 +16322,41 @@
               <a:t>1</a:t>
             </a:r>
             <a:r>
-              <a:rPr lang="en-US" spc="-1" baseline="30000">
+              <a:rPr lang="zh-CN" altLang="en-US" sz="1400" spc="-1" dirty="0">
+                <a:solidFill>
+                  <a:srgbClr val="000000"/>
+                </a:solidFill>
+                <a:latin typeface="Trebuchet MS"/>
+                <a:ea typeface="DejaVu Sans"/>
+              </a:rPr>
+              <a:t>号命令队列</a:t>
+            </a:r>
+            <a:endParaRPr lang="en-US" altLang="zh-CN" sz="1400" spc="-1" dirty="0">
+              <a:solidFill>
+                <a:srgbClr val="000000"/>
+              </a:solidFill>
+              <a:latin typeface="Trebuchet MS"/>
+              <a:ea typeface="DejaVu Sans"/>
+            </a:endParaRPr>
+          </a:p>
+          <a:p>
+            <a:pPr algn="ctr">
+              <a:lnSpc>
+                <a:spcPct val="100000"/>
+              </a:lnSpc>
+            </a:pPr>
+            <a:r>
+              <a:rPr lang="en-US" sz="1400" spc="-1" dirty="0">
+                <a:solidFill>
+                  <a:srgbClr val="000000"/>
+                </a:solidFill>
+                <a:latin typeface="Trebuchet MS"/>
+                <a:ea typeface="DejaVu Sans"/>
+              </a:rPr>
+              <a:t>1</a:t>
+            </a:r>
+            <a:r>
+              <a:rPr lang="en-US" sz="1400" spc="-1" baseline="30000" dirty="0">
                 <a:solidFill>
                   <a:srgbClr val="000000"/>
                 </a:solidFill>
@@ -15015,7 +16366,7 @@
               <a:t>st</a:t>
             </a:r>
             <a:r>
-              <a:rPr lang="en-US" spc="-1">
+              <a:rPr lang="en-US" sz="1400" spc="-1" dirty="0">
                 <a:solidFill>
                   <a:srgbClr val="000000"/>
                 </a:solidFill>
@@ -15024,7 +16375,7 @@
               </a:rPr>
               <a:t> Command Queue</a:t>
             </a:r>
-            <a:endParaRPr lang="en-US" spc="-1">
+            <a:endParaRPr lang="en-US" sz="1400" spc="-1" dirty="0">
               <a:latin typeface="Arial"/>
             </a:endParaRPr>
           </a:p>
@@ -15038,7 +16389,7 @@
         </p:nvSpPr>
         <p:spPr>
           <a:xfrm>
-            <a:off x="7174560" y="505080"/>
+            <a:off x="7151700" y="445815"/>
             <a:ext cx="2562840" cy="364320"/>
           </a:xfrm>
           <a:prstGeom prst="rect">
@@ -15065,13 +16416,13 @@
           <a:bodyPr wrap="none" lIns="90000" tIns="45000" rIns="90000" bIns="45000"/>
           <a:lstStyle/>
           <a:p>
-            <a:pPr>
+            <a:pPr algn="ctr">
               <a:lnSpc>
                 <a:spcPct val="100000"/>
               </a:lnSpc>
             </a:pPr>
             <a:r>
-              <a:rPr lang="en-US" spc="-1">
+              <a:rPr lang="en-US" sz="1400" spc="-1" dirty="0">
                 <a:solidFill>
                   <a:srgbClr val="000000"/>
                 </a:solidFill>
@@ -15081,7 +16432,41 @@
               <a:t>2</a:t>
             </a:r>
             <a:r>
-              <a:rPr lang="en-US" spc="-1" baseline="30000">
+              <a:rPr lang="zh-CN" altLang="en-US" sz="1400" spc="-1" dirty="0">
+                <a:solidFill>
+                  <a:srgbClr val="000000"/>
+                </a:solidFill>
+                <a:latin typeface="Trebuchet MS"/>
+                <a:ea typeface="DejaVu Sans"/>
+              </a:rPr>
+              <a:t>号命令队列</a:t>
+            </a:r>
+            <a:endParaRPr lang="en-US" altLang="zh-CN" sz="1400" spc="-1" dirty="0">
+              <a:solidFill>
+                <a:srgbClr val="000000"/>
+              </a:solidFill>
+              <a:latin typeface="Trebuchet MS"/>
+              <a:ea typeface="DejaVu Sans"/>
+            </a:endParaRPr>
+          </a:p>
+          <a:p>
+            <a:pPr algn="ctr">
+              <a:lnSpc>
+                <a:spcPct val="100000"/>
+              </a:lnSpc>
+            </a:pPr>
+            <a:r>
+              <a:rPr lang="en-US" sz="1400" spc="-1" dirty="0">
+                <a:solidFill>
+                  <a:srgbClr val="000000"/>
+                </a:solidFill>
+                <a:latin typeface="Trebuchet MS"/>
+                <a:ea typeface="DejaVu Sans"/>
+              </a:rPr>
+              <a:t>2</a:t>
+            </a:r>
+            <a:r>
+              <a:rPr lang="en-US" sz="1400" spc="-1" baseline="30000" dirty="0">
                 <a:solidFill>
                   <a:srgbClr val="000000"/>
                 </a:solidFill>
@@ -15091,7 +16476,7 @@
               <a:t>nd</a:t>
             </a:r>
             <a:r>
-              <a:rPr lang="en-US" spc="-1">
+              <a:rPr lang="en-US" sz="1400" spc="-1" dirty="0">
                 <a:solidFill>
                   <a:srgbClr val="000000"/>
                 </a:solidFill>
@@ -15100,7 +16485,7 @@
               </a:rPr>
               <a:t> Command Queue</a:t>
             </a:r>
-            <a:endParaRPr lang="en-US" spc="-1">
+            <a:endParaRPr lang="en-US" sz="1400" spc="-1" dirty="0">
               <a:latin typeface="Arial"/>
             </a:endParaRPr>
           </a:p>
@@ -15845,15 +17230,33 @@
               </a:lnSpc>
             </a:pPr>
             <a:r>
-              <a:rPr lang="en-US" sz="2400" spc="-1">
-                <a:solidFill>
-                  <a:srgbClr val="000000"/>
-                </a:solidFill>
-                <a:latin typeface="Trebuchet MS"/>
-              </a:rPr>
-              <a:t>Barriers between queues: this works!</a:t>
-            </a:r>
-            <a:endParaRPr lang="en-US" sz="2400" spc="-1">
+              <a:rPr lang="zh-CN" altLang="en-US" sz="2400" spc="-1" dirty="0">
+                <a:solidFill>
+                  <a:srgbClr val="000000"/>
+                </a:solidFill>
+                <a:latin typeface="Trebuchet MS"/>
+              </a:rPr>
+              <a:t>队列之间的事件</a:t>
+            </a:r>
+            <a:r>
+              <a:rPr lang="en-US" sz="2400" spc="-1" dirty="0">
+                <a:solidFill>
+                  <a:srgbClr val="000000"/>
+                </a:solidFill>
+                <a:latin typeface="Trebuchet MS"/>
+              </a:rPr>
+              <a:t>: </a:t>
+            </a:r>
+            <a:r>
+              <a:rPr lang="zh-CN" altLang="en-US" sz="2400" spc="-1" dirty="0">
+                <a:solidFill>
+                  <a:srgbClr val="000000"/>
+                </a:solidFill>
+                <a:latin typeface="Trebuchet MS"/>
+              </a:rPr>
+              <a:t>这就能用了</a:t>
+            </a:r>
+            <a:endParaRPr lang="en-US" sz="2400" spc="-1" dirty="0">
               <a:latin typeface="Arial"/>
             </a:endParaRPr>
           </a:p>
@@ -16305,158 +17708,6 @@
               <a:t>clEnqueueReadBuffer() clEnqueueNDRangeKernel()</a:t>
             </a:r>
             <a:endParaRPr lang="en-US" sz="1000" spc="-1">
-              <a:latin typeface="Arial"/>
-            </a:endParaRPr>
-          </a:p>
-        </p:txBody>
-      </p:sp>
-      <p:sp>
-        <p:nvSpPr>
-          <p:cNvPr id="2278" name="CustomShape 6"/>
-          <p:cNvSpPr/>
-          <p:nvPr/>
-        </p:nvSpPr>
-        <p:spPr>
-          <a:xfrm>
-            <a:off x="2588160" y="570600"/>
-            <a:ext cx="2515320" cy="364320"/>
-          </a:xfrm>
-          <a:prstGeom prst="rect">
-            <a:avLst/>
-          </a:prstGeom>
-          <a:noFill/>
-          <a:ln>
-            <a:noFill/>
-          </a:ln>
-        </p:spPr>
-        <p:style>
-          <a:lnRef idx="0">
-            <a:scrgbClr r="0" g="0" b="0"/>
-          </a:lnRef>
-          <a:fillRef idx="0">
-            <a:scrgbClr r="0" g="0" b="0"/>
-          </a:fillRef>
-          <a:effectRef idx="0">
-            <a:scrgbClr r="0" g="0" b="0"/>
-          </a:effectRef>
-          <a:fontRef idx="minor"/>
-        </p:style>
-        <p:txBody>
-          <a:bodyPr wrap="none" lIns="90000" tIns="45000" rIns="90000" bIns="45000"/>
-          <a:lstStyle/>
-          <a:p>
-            <a:pPr>
-              <a:lnSpc>
-                <a:spcPct val="100000"/>
-              </a:lnSpc>
-            </a:pPr>
-            <a:r>
-              <a:rPr lang="en-US" spc="-1">
-                <a:solidFill>
-                  <a:srgbClr val="000000"/>
-                </a:solidFill>
-                <a:latin typeface="Trebuchet MS"/>
-                <a:ea typeface="DejaVu Sans"/>
-              </a:rPr>
-              <a:t>1</a:t>
-            </a:r>
-            <a:r>
-              <a:rPr lang="en-US" spc="-1" baseline="30000">
-                <a:solidFill>
-                  <a:srgbClr val="000000"/>
-                </a:solidFill>
-                <a:latin typeface="Trebuchet MS"/>
-                <a:ea typeface="DejaVu Sans"/>
-              </a:rPr>
-              <a:t>st</a:t>
-            </a:r>
-            <a:r>
-              <a:rPr lang="en-US" spc="-1">
-                <a:solidFill>
-                  <a:srgbClr val="000000"/>
-                </a:solidFill>
-                <a:latin typeface="Trebuchet MS"/>
-                <a:ea typeface="DejaVu Sans"/>
-              </a:rPr>
-              <a:t> Command Queue</a:t>
-            </a:r>
-            <a:endParaRPr lang="en-US" spc="-1">
-              <a:latin typeface="Arial"/>
-            </a:endParaRPr>
-          </a:p>
-        </p:txBody>
-      </p:sp>
-      <p:sp>
-        <p:nvSpPr>
-          <p:cNvPr id="2279" name="CustomShape 7"/>
-          <p:cNvSpPr/>
-          <p:nvPr/>
-        </p:nvSpPr>
-        <p:spPr>
-          <a:xfrm>
-            <a:off x="7174560" y="505080"/>
-            <a:ext cx="2562840" cy="364320"/>
-          </a:xfrm>
-          <a:prstGeom prst="rect">
-            <a:avLst/>
-          </a:prstGeom>
-          <a:noFill/>
-          <a:ln>
-            <a:noFill/>
-          </a:ln>
-        </p:spPr>
-        <p:style>
-          <a:lnRef idx="0">
-            <a:scrgbClr r="0" g="0" b="0"/>
-          </a:lnRef>
-          <a:fillRef idx="0">
-            <a:scrgbClr r="0" g="0" b="0"/>
-          </a:fillRef>
-          <a:effectRef idx="0">
-            <a:scrgbClr r="0" g="0" b="0"/>
-          </a:effectRef>
-          <a:fontRef idx="minor"/>
-        </p:style>
-        <p:txBody>
-          <a:bodyPr wrap="none" lIns="90000" tIns="45000" rIns="90000" bIns="45000"/>
-          <a:lstStyle/>
-          <a:p>
-            <a:pPr>
-              <a:lnSpc>
-                <a:spcPct val="100000"/>
-              </a:lnSpc>
-            </a:pPr>
-            <a:r>
-              <a:rPr lang="en-US" spc="-1">
-                <a:solidFill>
-                  <a:srgbClr val="000000"/>
-                </a:solidFill>
-                <a:latin typeface="Trebuchet MS"/>
-                <a:ea typeface="DejaVu Sans"/>
-              </a:rPr>
-              <a:t>2</a:t>
-            </a:r>
-            <a:r>
-              <a:rPr lang="en-US" spc="-1" baseline="30000">
-                <a:solidFill>
-                  <a:srgbClr val="000000"/>
-                </a:solidFill>
-                <a:latin typeface="Trebuchet MS"/>
-                <a:ea typeface="DejaVu Sans"/>
-              </a:rPr>
-              <a:t>nd</a:t>
-            </a:r>
-            <a:r>
-              <a:rPr lang="en-US" spc="-1">
-                <a:solidFill>
-                  <a:srgbClr val="000000"/>
-                </a:solidFill>
-                <a:latin typeface="Trebuchet MS"/>
-                <a:ea typeface="DejaVu Sans"/>
-              </a:rPr>
-              <a:t> Command Queue</a:t>
-            </a:r>
-            <a:endParaRPr lang="en-US" spc="-1">
               <a:latin typeface="Arial"/>
             </a:endParaRPr>
           </a:p>
@@ -17087,6 +18338,238 @@
           <a:fontRef idx="minor"/>
         </p:style>
       </p:sp>
+      <p:sp>
+        <p:nvSpPr>
+          <p:cNvPr id="15" name="CustomShape 6">
+            <a:extLst>
+              <a:ext uri="{FF2B5EF4-FFF2-40B4-BE49-F238E27FC236}">
+                <a16:creationId xmlns:a16="http://schemas.microsoft.com/office/drawing/2014/main" id="{7F070CE2-761F-45B6-A22A-27386560AAED}"/>
+              </a:ext>
+            </a:extLst>
+          </p:cNvPr>
+          <p:cNvSpPr/>
+          <p:nvPr/>
+        </p:nvSpPr>
+        <p:spPr>
+          <a:xfrm>
+            <a:off x="2597880" y="472680"/>
+            <a:ext cx="2515320" cy="364320"/>
+          </a:xfrm>
+          <a:prstGeom prst="rect">
+            <a:avLst/>
+          </a:prstGeom>
+          <a:noFill/>
+          <a:ln>
+            <a:noFill/>
+          </a:ln>
+        </p:spPr>
+        <p:style>
+          <a:lnRef idx="0">
+            <a:scrgbClr r="0" g="0" b="0"/>
+          </a:lnRef>
+          <a:fillRef idx="0">
+            <a:scrgbClr r="0" g="0" b="0"/>
+          </a:fillRef>
+          <a:effectRef idx="0">
+            <a:scrgbClr r="0" g="0" b="0"/>
+          </a:effectRef>
+          <a:fontRef idx="minor"/>
+        </p:style>
+        <p:txBody>
+          <a:bodyPr wrap="none" lIns="90000" tIns="45000" rIns="90000" bIns="45000"/>
+          <a:lstStyle/>
+          <a:p>
+            <a:pPr algn="ctr">
+              <a:lnSpc>
+                <a:spcPct val="100000"/>
+              </a:lnSpc>
+            </a:pPr>
+            <a:r>
+              <a:rPr lang="en-US" sz="1400" spc="-1" dirty="0">
+                <a:solidFill>
+                  <a:srgbClr val="000000"/>
+                </a:solidFill>
+                <a:latin typeface="Trebuchet MS"/>
+                <a:ea typeface="DejaVu Sans"/>
+              </a:rPr>
+              <a:t>1</a:t>
+            </a:r>
+            <a:r>
+              <a:rPr lang="zh-CN" altLang="en-US" sz="1400" spc="-1" dirty="0">
+                <a:solidFill>
+                  <a:srgbClr val="000000"/>
+                </a:solidFill>
+                <a:latin typeface="Trebuchet MS"/>
+                <a:ea typeface="DejaVu Sans"/>
+              </a:rPr>
+              <a:t>号命令队列</a:t>
+            </a:r>
+            <a:endParaRPr lang="en-US" altLang="zh-CN" sz="1400" spc="-1" dirty="0">
+              <a:solidFill>
+                <a:srgbClr val="000000"/>
+              </a:solidFill>
+              <a:latin typeface="Trebuchet MS"/>
+              <a:ea typeface="DejaVu Sans"/>
+            </a:endParaRPr>
+          </a:p>
+          <a:p>
+            <a:pPr algn="ctr">
+              <a:lnSpc>
+                <a:spcPct val="100000"/>
+              </a:lnSpc>
+            </a:pPr>
+            <a:r>
+              <a:rPr lang="en-US" sz="1400" spc="-1" dirty="0">
+                <a:solidFill>
+                  <a:srgbClr val="000000"/>
+                </a:solidFill>
+                <a:latin typeface="Trebuchet MS"/>
+                <a:ea typeface="DejaVu Sans"/>
+              </a:rPr>
+              <a:t>1</a:t>
+            </a:r>
+            <a:r>
+              <a:rPr lang="en-US" sz="1400" spc="-1" baseline="30000" dirty="0">
+                <a:solidFill>
+                  <a:srgbClr val="000000"/>
+                </a:solidFill>
+                <a:latin typeface="Trebuchet MS"/>
+                <a:ea typeface="DejaVu Sans"/>
+              </a:rPr>
+              <a:t>st</a:t>
+            </a:r>
+            <a:r>
+              <a:rPr lang="en-US" sz="1400" spc="-1" dirty="0">
+                <a:solidFill>
+                  <a:srgbClr val="000000"/>
+                </a:solidFill>
+                <a:latin typeface="Trebuchet MS"/>
+                <a:ea typeface="DejaVu Sans"/>
+              </a:rPr>
+              <a:t> Command Queue</a:t>
+            </a:r>
+            <a:endParaRPr lang="en-US" sz="1400" spc="-1" dirty="0">
+              <a:latin typeface="Arial"/>
+            </a:endParaRPr>
+          </a:p>
+        </p:txBody>
+      </p:sp>
+      <p:sp>
+        <p:nvSpPr>
+          <p:cNvPr id="16" name="CustomShape 7">
+            <a:extLst>
+              <a:ext uri="{FF2B5EF4-FFF2-40B4-BE49-F238E27FC236}">
+                <a16:creationId xmlns:a16="http://schemas.microsoft.com/office/drawing/2014/main" id="{F14BF1F6-30C1-47E7-8DA5-54791BC92CFA}"/>
+              </a:ext>
+            </a:extLst>
+          </p:cNvPr>
+          <p:cNvSpPr/>
+          <p:nvPr/>
+        </p:nvSpPr>
+        <p:spPr>
+          <a:xfrm>
+            <a:off x="7151700" y="445815"/>
+            <a:ext cx="2562840" cy="364320"/>
+          </a:xfrm>
+          <a:prstGeom prst="rect">
+            <a:avLst/>
+          </a:prstGeom>
+          <a:noFill/>
+          <a:ln>
+            <a:noFill/>
+          </a:ln>
+        </p:spPr>
+        <p:style>
+          <a:lnRef idx="0">
+            <a:scrgbClr r="0" g="0" b="0"/>
+          </a:lnRef>
+          <a:fillRef idx="0">
+            <a:scrgbClr r="0" g="0" b="0"/>
+          </a:fillRef>
+          <a:effectRef idx="0">
+            <a:scrgbClr r="0" g="0" b="0"/>
+          </a:effectRef>
+          <a:fontRef idx="minor"/>
+        </p:style>
+        <p:txBody>
+          <a:bodyPr wrap="none" lIns="90000" tIns="45000" rIns="90000" bIns="45000"/>
+          <a:lstStyle/>
+          <a:p>
+            <a:pPr algn="ctr">
+              <a:lnSpc>
+                <a:spcPct val="100000"/>
+              </a:lnSpc>
+            </a:pPr>
+            <a:r>
+              <a:rPr lang="en-US" sz="1400" spc="-1" dirty="0">
+                <a:solidFill>
+                  <a:srgbClr val="000000"/>
+                </a:solidFill>
+                <a:latin typeface="Trebuchet MS"/>
+                <a:ea typeface="DejaVu Sans"/>
+              </a:rPr>
+              <a:t>2</a:t>
+            </a:r>
+            <a:r>
+              <a:rPr lang="zh-CN" altLang="en-US" sz="1400" spc="-1" dirty="0">
+                <a:solidFill>
+                  <a:srgbClr val="000000"/>
+                </a:solidFill>
+                <a:latin typeface="Trebuchet MS"/>
+                <a:ea typeface="DejaVu Sans"/>
+              </a:rPr>
+              <a:t>号命令队列</a:t>
+            </a:r>
+            <a:endParaRPr lang="en-US" altLang="zh-CN" sz="1400" spc="-1" dirty="0">
+              <a:solidFill>
+                <a:srgbClr val="000000"/>
+              </a:solidFill>
+              <a:latin typeface="Trebuchet MS"/>
+              <a:ea typeface="DejaVu Sans"/>
+            </a:endParaRPr>
+          </a:p>
+          <a:p>
+            <a:pPr algn="ctr">
+              <a:lnSpc>
+                <a:spcPct val="100000"/>
+              </a:lnSpc>
+            </a:pPr>
+            <a:r>
+              <a:rPr lang="en-US" sz="1400" spc="-1" dirty="0">
+                <a:solidFill>
+                  <a:srgbClr val="000000"/>
+                </a:solidFill>
+                <a:latin typeface="Trebuchet MS"/>
+                <a:ea typeface="DejaVu Sans"/>
+              </a:rPr>
+              <a:t>2</a:t>
+            </a:r>
+            <a:r>
+              <a:rPr lang="en-US" sz="1400" spc="-1" baseline="30000" dirty="0">
+                <a:solidFill>
+                  <a:srgbClr val="000000"/>
+                </a:solidFill>
+                <a:latin typeface="Trebuchet MS"/>
+                <a:ea typeface="DejaVu Sans"/>
+              </a:rPr>
+              <a:t>nd</a:t>
+            </a:r>
+            <a:r>
+              <a:rPr lang="en-US" sz="1400" spc="-1" dirty="0">
+                <a:solidFill>
+                  <a:srgbClr val="000000"/>
+                </a:solidFill>
+                <a:latin typeface="Trebuchet MS"/>
+                <a:ea typeface="DejaVu Sans"/>
+              </a:rPr>
+              <a:t> Command Queue</a:t>
+            </a:r>
+            <a:endParaRPr lang="en-US" sz="1400" spc="-1" dirty="0">
+              <a:latin typeface="Arial"/>
+            </a:endParaRPr>
+          </a:p>
+        </p:txBody>
+      </p:sp>
     </p:spTree>
   </p:cSld>
   <p:clrMapOvr>
@@ -17120,8 +18603,8 @@
         </p:nvSpPr>
         <p:spPr>
           <a:xfrm>
-            <a:off x="1631640" y="44640"/>
-            <a:ext cx="8928360" cy="1142280"/>
+            <a:off x="1307778" y="0"/>
+            <a:ext cx="9576444" cy="1142280"/>
           </a:xfrm>
           <a:prstGeom prst="rect">
             <a:avLst/>
@@ -17153,7 +18636,29 @@
               </a:lnSpc>
             </a:pPr>
             <a:r>
-              <a:rPr lang="en-US" sz="3200" spc="-1">
+              <a:rPr lang="zh-CN" altLang="en-US" sz="3200" spc="-1" dirty="0">
+                <a:solidFill>
+                  <a:srgbClr val="000000"/>
+                </a:solidFill>
+                <a:latin typeface="Trebuchet MS"/>
+              </a:rPr>
+              <a:t>宿主端生成的事件影响命令执行：用户事件</a:t>
+            </a:r>
+            <a:endParaRPr lang="en-US" altLang="zh-CN" sz="3200" spc="-1" dirty="0">
+              <a:solidFill>
+                <a:srgbClr val="000000"/>
+              </a:solidFill>
+              <a:latin typeface="Trebuchet MS"/>
+            </a:endParaRPr>
+          </a:p>
+          <a:p>
+            <a:pPr algn="ctr">
+              <a:lnSpc>
+                <a:spcPct val="100000"/>
+              </a:lnSpc>
+            </a:pPr>
+            <a:r>
+              <a:rPr lang="en-US" sz="2200" spc="-1" dirty="0">
                 <a:solidFill>
                   <a:srgbClr val="000000"/>
                 </a:solidFill>
@@ -17161,7 +18666,7 @@
               </a:rPr>
               <a:t>Host generated events influencing execution of commands: User events</a:t>
             </a:r>
-            <a:endParaRPr lang="en-US" sz="3200" spc="-1">
+            <a:endParaRPr lang="en-US" sz="2200" spc="-1" dirty="0">
               <a:latin typeface="Arial"/>
             </a:endParaRPr>
           </a:p>
@@ -17215,15 +18720,105 @@
               <a:buChar char="•"/>
             </a:pPr>
             <a:r>
-              <a:rPr lang="en-US" sz="3200" spc="-1">
-                <a:solidFill>
-                  <a:srgbClr val="000000"/>
-                </a:solidFill>
-                <a:latin typeface="Trebuchet MS"/>
-              </a:rPr>
-              <a:t>“user code” running on a host thread can generate event objects</a:t>
-            </a:r>
-            <a:endParaRPr lang="en-US" sz="3200" spc="-1">
+              <a:rPr lang="zh-CN" altLang="en-US" sz="3200" spc="-1" dirty="0">
+                <a:solidFill>
+                  <a:srgbClr val="000000"/>
+                </a:solidFill>
+                <a:latin typeface="Trebuchet MS"/>
+              </a:rPr>
+              <a:t>运行在宿主线程（</a:t>
+            </a:r>
+            <a:r>
+              <a:rPr lang="en-US" altLang="zh-CN" sz="3200" spc="-1" dirty="0">
+                <a:solidFill>
+                  <a:srgbClr val="000000"/>
+                </a:solidFill>
+                <a:latin typeface="Trebuchet MS"/>
+              </a:rPr>
+              <a:t> host thread </a:t>
+            </a:r>
+            <a:r>
+              <a:rPr lang="zh-CN" altLang="en-US" sz="3200" spc="-1" dirty="0">
+                <a:solidFill>
+                  <a:srgbClr val="000000"/>
+                </a:solidFill>
+                <a:latin typeface="Trebuchet MS"/>
+              </a:rPr>
+              <a:t>）上的</a:t>
+            </a:r>
+            <a:r>
+              <a:rPr lang="en-US" sz="3200" spc="-1" dirty="0">
+                <a:solidFill>
+                  <a:srgbClr val="000000"/>
+                </a:solidFill>
+                <a:latin typeface="Trebuchet MS"/>
+              </a:rPr>
+              <a:t>“</a:t>
+            </a:r>
+            <a:r>
+              <a:rPr lang="zh-CN" altLang="en-US" sz="3200" spc="-1" dirty="0">
+                <a:solidFill>
+                  <a:srgbClr val="000000"/>
+                </a:solidFill>
+                <a:latin typeface="Trebuchet MS"/>
+              </a:rPr>
+              <a:t>用户代码（</a:t>
+            </a:r>
+            <a:r>
+              <a:rPr lang="en-US" altLang="zh-CN" sz="3200" spc="-1" dirty="0">
+                <a:solidFill>
+                  <a:srgbClr val="000000"/>
+                </a:solidFill>
+                <a:latin typeface="Trebuchet MS"/>
+              </a:rPr>
+              <a:t>user code</a:t>
+            </a:r>
+            <a:r>
+              <a:rPr lang="zh-CN" altLang="en-US" sz="3200" spc="-1" dirty="0">
+                <a:solidFill>
+                  <a:srgbClr val="000000"/>
+                </a:solidFill>
+                <a:latin typeface="Trebuchet MS"/>
+              </a:rPr>
+              <a:t>）</a:t>
+            </a:r>
+            <a:r>
+              <a:rPr lang="en-US" sz="3200" spc="-1" dirty="0">
+                <a:solidFill>
+                  <a:srgbClr val="000000"/>
+                </a:solidFill>
+                <a:latin typeface="Trebuchet MS"/>
+              </a:rPr>
+              <a:t>” </a:t>
+            </a:r>
+            <a:r>
+              <a:rPr lang="zh-CN" altLang="en-US" sz="3200" spc="-1" dirty="0">
+                <a:solidFill>
+                  <a:srgbClr val="000000"/>
+                </a:solidFill>
+                <a:latin typeface="Trebuchet MS"/>
+              </a:rPr>
+              <a:t>可以生成事件对象（</a:t>
+            </a:r>
+            <a:r>
+              <a:rPr lang="en-US" altLang="zh-CN" sz="3200" spc="-1" dirty="0">
+                <a:solidFill>
+                  <a:srgbClr val="000000"/>
+                </a:solidFill>
+                <a:latin typeface="Trebuchet MS"/>
+              </a:rPr>
+              <a:t> event objects </a:t>
+            </a:r>
+            <a:r>
+              <a:rPr lang="zh-CN" altLang="en-US" sz="3200" spc="-1" dirty="0">
+                <a:solidFill>
+                  <a:srgbClr val="000000"/>
+                </a:solidFill>
+                <a:latin typeface="Trebuchet MS"/>
+              </a:rPr>
+              <a:t>）</a:t>
+            </a:r>
+            <a:endParaRPr lang="en-US" sz="3200" spc="-1" dirty="0">
               <a:latin typeface="Arial"/>
             </a:endParaRPr>
           </a:p>
@@ -17234,7 +18829,7 @@
               </a:spcBef>
             </a:pPr>
             <a:r>
-              <a:rPr lang="en-US" sz="2200" b="1" spc="-1">
+              <a:rPr lang="en-US" sz="2200" b="1" spc="-1" dirty="0" err="1">
                 <a:solidFill>
                   <a:srgbClr val="9BBB59"/>
                 </a:solidFill>
@@ -17243,7 +18838,7 @@
               <a:t>cl_event</a:t>
             </a:r>
             <a:r>
-              <a:rPr lang="en-US" sz="2200" b="1" spc="-1">
+              <a:rPr lang="en-US" sz="2200" b="1" spc="-1" dirty="0">
                 <a:solidFill>
                   <a:srgbClr val="000000"/>
                 </a:solidFill>
@@ -17252,7 +18847,7 @@
               <a:t> </a:t>
             </a:r>
             <a:r>
-              <a:rPr lang="en-US" sz="2200" b="1" spc="-1">
+              <a:rPr lang="en-US" sz="2200" b="1" spc="-1" dirty="0" err="1">
                 <a:solidFill>
                   <a:srgbClr val="17375E"/>
                 </a:solidFill>
@@ -17261,7 +18856,7 @@
               <a:t>clCreateUserEvent</a:t>
             </a:r>
             <a:r>
-              <a:rPr lang="en-US" sz="2200" b="1" spc="-1">
+              <a:rPr lang="en-US" sz="2200" b="1" spc="-1" dirty="0">
                 <a:solidFill>
                   <a:srgbClr val="000000"/>
                 </a:solidFill>
@@ -17270,7 +18865,7 @@
               <a:t>(</a:t>
             </a:r>
             <a:r>
-              <a:rPr lang="en-US" sz="2200" b="1" spc="-1">
+              <a:rPr lang="en-US" sz="2200" b="1" spc="-1" dirty="0" err="1">
                 <a:solidFill>
                   <a:srgbClr val="9BBB59"/>
                 </a:solidFill>
@@ -17279,7 +18874,7 @@
               <a:t>cl_context</a:t>
             </a:r>
             <a:r>
-              <a:rPr lang="en-US" sz="2200" b="1" spc="-1">
+              <a:rPr lang="en-US" sz="2200" b="1" spc="-1" dirty="0">
                 <a:solidFill>
                   <a:srgbClr val="000000"/>
                 </a:solidFill>
@@ -17288,7 +18883,7 @@
               <a:t> context, </a:t>
             </a:r>
             <a:r>
-              <a:rPr lang="en-US" sz="2200" b="1" spc="-1">
+              <a:rPr lang="en-US" sz="2200" b="1" spc="-1" dirty="0" err="1">
                 <a:solidFill>
                   <a:srgbClr val="9BBB59"/>
                 </a:solidFill>
@@ -17297,15 +18892,33 @@
               <a:t>cl_int</a:t>
             </a:r>
             <a:r>
-              <a:rPr lang="en-US" sz="2200" b="1" spc="-1">
-                <a:solidFill>
-                  <a:srgbClr val="000000"/>
-                </a:solidFill>
-                <a:latin typeface="Courier New Bold"/>
-              </a:rPr>
-              <a:t> *errcode_ret)</a:t>
-            </a:r>
-            <a:endParaRPr lang="en-US" sz="2200" spc="-1">
+              <a:rPr lang="en-US" sz="2200" b="1" spc="-1" dirty="0">
+                <a:solidFill>
+                  <a:srgbClr val="000000"/>
+                </a:solidFill>
+                <a:latin typeface="Courier New Bold"/>
+              </a:rPr>
+              <a:t> *</a:t>
+            </a:r>
+            <a:r>
+              <a:rPr lang="en-US" sz="2200" b="1" spc="-1" dirty="0" err="1">
+                <a:solidFill>
+                  <a:srgbClr val="000000"/>
+                </a:solidFill>
+                <a:latin typeface="Courier New Bold"/>
+              </a:rPr>
+              <a:t>errcode_ret</a:t>
+            </a:r>
+            <a:r>
+              <a:rPr lang="en-US" sz="2200" b="1" spc="-1" dirty="0">
+                <a:solidFill>
+                  <a:srgbClr val="000000"/>
+                </a:solidFill>
+                <a:latin typeface="Courier New Bold"/>
+              </a:rPr>
+              <a:t>)</a:t>
+            </a:r>
+            <a:endParaRPr lang="en-US" sz="2200" spc="-1" dirty="0">
               <a:latin typeface="Arial"/>
             </a:endParaRPr>
           </a:p>
@@ -17321,15 +18934,24 @@
               <a:buChar char="•"/>
             </a:pPr>
             <a:r>
-              <a:rPr lang="en-US" sz="3200" spc="-1">
-                <a:solidFill>
-                  <a:srgbClr val="000000"/>
-                </a:solidFill>
-                <a:latin typeface="Trebuchet MS"/>
-              </a:rPr>
-              <a:t>Created with value CL_SUBMITTED.</a:t>
-            </a:r>
-            <a:endParaRPr lang="en-US" sz="3200" spc="-1">
+              <a:rPr lang="zh-CN" altLang="en-US" sz="3200" spc="-1" dirty="0">
+                <a:solidFill>
+                  <a:srgbClr val="000000"/>
+                </a:solidFill>
+                <a:latin typeface="Trebuchet MS"/>
+              </a:rPr>
+              <a:t>创建值 </a:t>
+            </a:r>
+            <a:r>
+              <a:rPr lang="en-US" sz="3200" spc="-1" dirty="0">
+                <a:solidFill>
+                  <a:srgbClr val="000000"/>
+                </a:solidFill>
+                <a:latin typeface="Trebuchet MS"/>
+              </a:rPr>
+              <a:t>CL_SUBMITTED.</a:t>
+            </a:r>
+            <a:endParaRPr lang="en-US" sz="3200" spc="-1" dirty="0">
               <a:latin typeface="Arial"/>
             </a:endParaRPr>
           </a:p>
@@ -17345,15 +18967,15 @@
               <a:buChar char="•"/>
             </a:pPr>
             <a:r>
-              <a:rPr lang="en-US" sz="3200" spc="-1">
-                <a:solidFill>
-                  <a:srgbClr val="000000"/>
-                </a:solidFill>
-                <a:latin typeface="Trebuchet MS"/>
-              </a:rPr>
-              <a:t>It’s just another event to enqueued commands.</a:t>
-            </a:r>
-            <a:endParaRPr lang="en-US" sz="3200" spc="-1">
+              <a:rPr lang="zh-CN" altLang="en-US" sz="3200" spc="-1" dirty="0">
+                <a:solidFill>
+                  <a:srgbClr val="000000"/>
+                </a:solidFill>
+                <a:latin typeface="Trebuchet MS"/>
+              </a:rPr>
+              <a:t>将命令提交队列的另一个事件</a:t>
+            </a:r>
+            <a:endParaRPr lang="en-US" sz="3200" spc="-1" dirty="0">
               <a:latin typeface="Arial"/>
             </a:endParaRPr>
           </a:p>
@@ -17369,15 +18991,33 @@
               <a:buChar char="•"/>
             </a:pPr>
             <a:r>
-              <a:rPr lang="en-US" sz="3200" spc="-1">
-                <a:solidFill>
-                  <a:srgbClr val="000000"/>
-                </a:solidFill>
-                <a:latin typeface="Trebuchet MS"/>
-              </a:rPr>
-              <a:t>Can set the event to one of the legal event values</a:t>
-            </a:r>
-            <a:endParaRPr lang="en-US" sz="3200" spc="-1">
+              <a:rPr lang="zh-CN" altLang="en-US" sz="3200" spc="-1" dirty="0">
+                <a:solidFill>
+                  <a:srgbClr val="000000"/>
+                </a:solidFill>
+                <a:latin typeface="Trebuchet MS"/>
+              </a:rPr>
+              <a:t>可以将事件设置为某个合法事件值（</a:t>
+            </a:r>
+            <a:r>
+              <a:rPr lang="en-US" altLang="zh-CN" sz="3200" spc="-1" dirty="0">
+                <a:solidFill>
+                  <a:srgbClr val="000000"/>
+                </a:solidFill>
+                <a:latin typeface="Trebuchet MS"/>
+              </a:rPr>
+              <a:t> legal event values </a:t>
+            </a:r>
+            <a:r>
+              <a:rPr lang="zh-CN" altLang="en-US" sz="3200" spc="-1" dirty="0">
+                <a:solidFill>
+                  <a:srgbClr val="000000"/>
+                </a:solidFill>
+                <a:latin typeface="Trebuchet MS"/>
+              </a:rPr>
+              <a:t>）</a:t>
+            </a:r>
+            <a:endParaRPr lang="en-US" sz="3200" spc="-1" dirty="0">
               <a:latin typeface="Arial"/>
             </a:endParaRPr>
           </a:p>
@@ -17388,7 +19028,7 @@
               </a:spcBef>
             </a:pPr>
             <a:r>
-              <a:rPr lang="en-US" sz="2200" b="1" spc="-1">
+              <a:rPr lang="en-US" sz="2200" b="1" spc="-1" dirty="0" err="1">
                 <a:solidFill>
                   <a:srgbClr val="9BBB59"/>
                 </a:solidFill>
@@ -17397,7 +19037,7 @@
               <a:t>cl_int</a:t>
             </a:r>
             <a:r>
-              <a:rPr lang="en-US" sz="2200" b="1" spc="-1">
+              <a:rPr lang="en-US" sz="2200" b="1" spc="-1" dirty="0">
                 <a:solidFill>
                   <a:srgbClr val="000000"/>
                 </a:solidFill>
@@ -17406,7 +19046,7 @@
               <a:t> </a:t>
             </a:r>
             <a:r>
-              <a:rPr lang="en-US" sz="2200" b="1" spc="-1">
+              <a:rPr lang="en-US" sz="2200" b="1" spc="-1" dirty="0" err="1">
                 <a:solidFill>
                   <a:srgbClr val="17375E"/>
                 </a:solidFill>
@@ -17415,7 +19055,7 @@
               <a:t>clSetUserEventStatus</a:t>
             </a:r>
             <a:r>
-              <a:rPr lang="en-US" sz="2200" b="1" spc="-1">
+              <a:rPr lang="en-US" sz="2200" b="1" spc="-1" dirty="0">
                 <a:solidFill>
                   <a:srgbClr val="000000"/>
                 </a:solidFill>
@@ -17424,7 +19064,7 @@
               <a:t>(</a:t>
             </a:r>
             <a:r>
-              <a:rPr lang="en-US" sz="2200" b="1" spc="-1">
+              <a:rPr lang="en-US" sz="2200" b="1" spc="-1" dirty="0" err="1">
                 <a:solidFill>
                   <a:srgbClr val="9BBB59"/>
                 </a:solidFill>
@@ -17433,7 +19073,7 @@
               <a:t>cl_event</a:t>
             </a:r>
             <a:r>
-              <a:rPr lang="en-US" sz="2200" b="1" spc="-1">
+              <a:rPr lang="en-US" sz="2200" b="1" spc="-1" dirty="0">
                 <a:solidFill>
                   <a:srgbClr val="000000"/>
                 </a:solidFill>
@@ -17442,7 +19082,7 @@
               <a:t> event, </a:t>
             </a:r>
             <a:r>
-              <a:rPr lang="en-US" sz="2200" b="1" spc="-1">
+              <a:rPr lang="en-US" sz="2200" b="1" spc="-1" dirty="0" err="1">
                 <a:solidFill>
                   <a:srgbClr val="9BBB59"/>
                 </a:solidFill>
@@ -17451,15 +19091,33 @@
               <a:t>cl_int</a:t>
             </a:r>
             <a:r>
-              <a:rPr lang="en-US" sz="2200" b="1" spc="-1">
-                <a:solidFill>
-                  <a:srgbClr val="000000"/>
-                </a:solidFill>
-                <a:latin typeface="Courier New Bold"/>
-              </a:rPr>
-              <a:t> execution_status)</a:t>
-            </a:r>
-            <a:endParaRPr lang="en-US" sz="2200" spc="-1">
+              <a:rPr lang="en-US" sz="2200" b="1" spc="-1" dirty="0">
+                <a:solidFill>
+                  <a:srgbClr val="000000"/>
+                </a:solidFill>
+                <a:latin typeface="Courier New Bold"/>
+              </a:rPr>
+              <a:t> </a:t>
+            </a:r>
+            <a:r>
+              <a:rPr lang="en-US" sz="2200" b="1" spc="-1" dirty="0" err="1">
+                <a:solidFill>
+                  <a:srgbClr val="000000"/>
+                </a:solidFill>
+                <a:latin typeface="Courier New Bold"/>
+              </a:rPr>
+              <a:t>execution_status</a:t>
+            </a:r>
+            <a:r>
+              <a:rPr lang="en-US" sz="2200" b="1" spc="-1" dirty="0">
+                <a:solidFill>
+                  <a:srgbClr val="000000"/>
+                </a:solidFill>
+                <a:latin typeface="Courier New Bold"/>
+              </a:rPr>
+              <a:t>)</a:t>
+            </a:r>
+            <a:endParaRPr lang="en-US" sz="2200" spc="-1" dirty="0">
               <a:latin typeface="Arial"/>
             </a:endParaRPr>
           </a:p>
@@ -17475,15 +19133,15 @@
               <a:buChar char="•"/>
             </a:pPr>
             <a:r>
-              <a:rPr lang="en-US" sz="3200" spc="-1">
-                <a:solidFill>
-                  <a:srgbClr val="000000"/>
-                </a:solidFill>
-                <a:latin typeface="Trebuchet MS"/>
-              </a:rPr>
-              <a:t>Example use case: Queue up block of commands that wait on user input to finalize state of memory objects before proceeding.</a:t>
-            </a:r>
-            <a:endParaRPr lang="en-US" sz="3200" spc="-1">
+              <a:rPr lang="zh-CN" altLang="en-US" sz="3200" spc="-1" dirty="0">
+                <a:solidFill>
+                  <a:srgbClr val="000000"/>
+                </a:solidFill>
+                <a:latin typeface="Trebuchet MS"/>
+              </a:rPr>
+              <a:t>应用案例：队列命令块，等待用户输入确定内存状态然后再继续执行</a:t>
+            </a:r>
+            <a:endParaRPr lang="en-US" sz="3200" spc="-1" dirty="0">
               <a:latin typeface="Arial"/>
             </a:endParaRPr>
           </a:p>
